--- a/管理學導論/presentation.pptx
+++ b/管理學導論/presentation.pptx
@@ -5,16 +5,19 @@
     <p:sldMasterId id="2147483648" r:id="rId1"/>
   </p:sldMasterIdLst>
   <p:notesMasterIdLst>
-    <p:notesMasterId r:id="rId6"/>
+    <p:notesMasterId r:id="rId9"/>
   </p:notesMasterIdLst>
   <p:handoutMasterIdLst>
-    <p:handoutMasterId r:id="rId7"/>
+    <p:handoutMasterId r:id="rId10"/>
   </p:handoutMasterIdLst>
   <p:sldIdLst>
     <p:sldId id="263" r:id="rId2"/>
     <p:sldId id="359" r:id="rId3"/>
     <p:sldId id="499" r:id="rId4"/>
-    <p:sldId id="356" r:id="rId5"/>
+    <p:sldId id="500" r:id="rId5"/>
+    <p:sldId id="501" r:id="rId6"/>
+    <p:sldId id="502" r:id="rId7"/>
+    <p:sldId id="356" r:id="rId8"/>
   </p:sldIdLst>
   <p:sldSz cx="9144000" cy="6858000" type="screen4x3"/>
   <p:notesSz cx="6858000" cy="9144000"/>
@@ -4172,7 +4175,7 @@
               <a:pPr>
                 <a:defRPr/>
               </a:pPr>
-              <a:t>2024/3/23</a:t>
+              <a:t>2024/3/24</a:t>
             </a:fld>
             <a:endParaRPr lang="zh-CN" altLang="en-US"/>
           </a:p>
@@ -4342,7 +4345,7 @@
           <a:p>
             <a:fld id="{CCB37054-13DD-47E8-AC9C-6E33D924AB2F}" type="datetimeFigureOut">
               <a:rPr lang="zh-CN" altLang="en-US" smtClean="0"/>
-              <a:t>2024/3/23</a:t>
+              <a:t>2024/3/24</a:t>
             </a:fld>
             <a:endParaRPr lang="zh-CN" altLang="en-US"/>
           </a:p>
@@ -4684,6 +4687,443 @@
     <p:extLst>
       <p:ext uri="{BB962C8B-B14F-4D97-AF65-F5344CB8AC3E}">
         <p14:creationId xmlns:p14="http://schemas.microsoft.com/office/powerpoint/2010/main" val="1064402237"/>
+      </p:ext>
+    </p:extLst>
+  </p:cSld>
+  <p:clrMapOvr>
+    <a:masterClrMapping/>
+  </p:clrMapOvr>
+</p:notes>
+</file>
+
+<file path=ppt/notesSlides/notesSlide2.xml><?xml version="1.0" encoding="utf-8"?>
+<p:notes xmlns:a="http://schemas.openxmlformats.org/drawingml/2006/main" xmlns:r="http://schemas.openxmlformats.org/officeDocument/2006/relationships" xmlns:p="http://schemas.openxmlformats.org/presentationml/2006/main">
+  <p:cSld>
+    <p:spTree>
+      <p:nvGrpSpPr>
+        <p:cNvPr id="1" name=""/>
+        <p:cNvGrpSpPr/>
+        <p:nvPr/>
+      </p:nvGrpSpPr>
+      <p:grpSpPr>
+        <a:xfrm>
+          <a:off x="0" y="0"/>
+          <a:ext cx="0" cy="0"/>
+          <a:chOff x="0" y="0"/>
+          <a:chExt cx="0" cy="0"/>
+        </a:xfrm>
+      </p:grpSpPr>
+      <p:sp>
+        <p:nvSpPr>
+          <p:cNvPr id="2" name="幻灯片图像占位符 1"/>
+          <p:cNvSpPr>
+            <a:spLocks noGrp="1" noRot="1" noChangeAspect="1"/>
+          </p:cNvSpPr>
+          <p:nvPr>
+            <p:ph type="sldImg"/>
+          </p:nvPr>
+        </p:nvSpPr>
+        <p:spPr/>
+      </p:sp>
+      <p:sp>
+        <p:nvSpPr>
+          <p:cNvPr id="3" name="备注占位符 2"/>
+          <p:cNvSpPr>
+            <a:spLocks noGrp="1"/>
+          </p:cNvSpPr>
+          <p:nvPr>
+            <p:ph type="body" idx="1"/>
+          </p:nvPr>
+        </p:nvSpPr>
+        <p:spPr/>
+        <p:txBody>
+          <a:bodyPr/>
+          <a:lstStyle/>
+          <a:p>
+            <a:r>
+              <a:rPr lang="zh-CN" altLang="zh-CN" sz="1800" kern="100" dirty="0">
+                <a:solidFill>
+                  <a:srgbClr val="181717"/>
+                </a:solidFill>
+                <a:effectLst/>
+                <a:latin typeface="Times New Roman" panose="02020603050405020304" pitchFamily="18" charset="0"/>
+                <a:ea typeface="等线" panose="02010600030101010101" pitchFamily="2" charset="-122"/>
+                <a:cs typeface="Times New Roman" panose="02020603050405020304" pitchFamily="18" charset="0"/>
+              </a:rPr>
+              <a:t>由于所有要执行的作业并不以相同的顺序访问车间的机器，因此作业的路由并不相同，我们说我们面临着作业车间环境。这个问题在文献中是已知的，称为灵活作业车间调度问题（</a:t>
+            </a:r>
+            <a:r>
+              <a:rPr lang="en-US" altLang="zh-CN" sz="1800" kern="100" dirty="0">
+                <a:solidFill>
+                  <a:srgbClr val="181717"/>
+                </a:solidFill>
+                <a:effectLst/>
+                <a:latin typeface="Times New Roman" panose="02020603050405020304" pitchFamily="18" charset="0"/>
+                <a:ea typeface="等线" panose="02010600030101010101" pitchFamily="2" charset="-122"/>
+              </a:rPr>
+              <a:t>FJSSP</a:t>
+            </a:r>
+            <a:r>
+              <a:rPr lang="zh-CN" altLang="zh-CN" sz="1800" kern="100" dirty="0">
+                <a:solidFill>
+                  <a:srgbClr val="181717"/>
+                </a:solidFill>
+                <a:effectLst/>
+                <a:latin typeface="Times New Roman" panose="02020603050405020304" pitchFamily="18" charset="0"/>
+                <a:ea typeface="等线" panose="02010600030101010101" pitchFamily="2" charset="-122"/>
+                <a:cs typeface="Times New Roman" panose="02020603050405020304" pitchFamily="18" charset="0"/>
+              </a:rPr>
+              <a:t>）。</a:t>
+            </a:r>
+            <a:endParaRPr lang="en-US" altLang="zh-CN" sz="1800" kern="100" dirty="0">
+              <a:solidFill>
+                <a:srgbClr val="181717"/>
+              </a:solidFill>
+              <a:effectLst/>
+              <a:latin typeface="Times New Roman" panose="02020603050405020304" pitchFamily="18" charset="0"/>
+              <a:ea typeface="等线" panose="02010600030101010101" pitchFamily="2" charset="-122"/>
+              <a:cs typeface="Times New Roman" panose="02020603050405020304" pitchFamily="18" charset="0"/>
+            </a:endParaRPr>
+          </a:p>
+        </p:txBody>
+      </p:sp>
+      <p:sp>
+        <p:nvSpPr>
+          <p:cNvPr id="4" name="灯片编号占位符 3"/>
+          <p:cNvSpPr>
+            <a:spLocks noGrp="1"/>
+          </p:cNvSpPr>
+          <p:nvPr>
+            <p:ph type="sldNum" sz="quarter" idx="5"/>
+          </p:nvPr>
+        </p:nvSpPr>
+        <p:spPr/>
+        <p:txBody>
+          <a:bodyPr/>
+          <a:lstStyle/>
+          <a:p>
+            <a:fld id="{5611A8ED-6551-40FF-AAB9-B579F124B714}" type="slidenum">
+              <a:rPr lang="zh-CN" altLang="en-US" smtClean="0"/>
+              <a:t>4</a:t>
+            </a:fld>
+            <a:endParaRPr lang="zh-CN" altLang="en-US"/>
+          </a:p>
+        </p:txBody>
+      </p:sp>
+    </p:spTree>
+    <p:extLst>
+      <p:ext uri="{BB962C8B-B14F-4D97-AF65-F5344CB8AC3E}">
+        <p14:creationId xmlns:p14="http://schemas.microsoft.com/office/powerpoint/2010/main" val="2164685505"/>
+      </p:ext>
+    </p:extLst>
+  </p:cSld>
+  <p:clrMapOvr>
+    <a:masterClrMapping/>
+  </p:clrMapOvr>
+</p:notes>
+</file>
+
+<file path=ppt/notesSlides/notesSlide3.xml><?xml version="1.0" encoding="utf-8"?>
+<p:notes xmlns:a="http://schemas.openxmlformats.org/drawingml/2006/main" xmlns:r="http://schemas.openxmlformats.org/officeDocument/2006/relationships" xmlns:p="http://schemas.openxmlformats.org/presentationml/2006/main">
+  <p:cSld>
+    <p:spTree>
+      <p:nvGrpSpPr>
+        <p:cNvPr id="1" name=""/>
+        <p:cNvGrpSpPr/>
+        <p:nvPr/>
+      </p:nvGrpSpPr>
+      <p:grpSpPr>
+        <a:xfrm>
+          <a:off x="0" y="0"/>
+          <a:ext cx="0" cy="0"/>
+          <a:chOff x="0" y="0"/>
+          <a:chExt cx="0" cy="0"/>
+        </a:xfrm>
+      </p:grpSpPr>
+      <p:sp>
+        <p:nvSpPr>
+          <p:cNvPr id="2" name="幻灯片图像占位符 1"/>
+          <p:cNvSpPr>
+            <a:spLocks noGrp="1" noRot="1" noChangeAspect="1"/>
+          </p:cNvSpPr>
+          <p:nvPr>
+            <p:ph type="sldImg"/>
+          </p:nvPr>
+        </p:nvSpPr>
+        <p:spPr/>
+      </p:sp>
+      <p:sp>
+        <p:nvSpPr>
+          <p:cNvPr id="3" name="备注占位符 2"/>
+          <p:cNvSpPr>
+            <a:spLocks noGrp="1"/>
+          </p:cNvSpPr>
+          <p:nvPr>
+            <p:ph type="body" idx="1"/>
+          </p:nvPr>
+        </p:nvSpPr>
+        <p:spPr/>
+        <p:txBody>
+          <a:bodyPr/>
+          <a:lstStyle/>
+          <a:p>
+            <a:r>
+              <a:rPr lang="zh-CN" altLang="zh-CN" sz="1800" kern="100" dirty="0">
+                <a:solidFill>
+                  <a:srgbClr val="181717"/>
+                </a:solidFill>
+                <a:effectLst/>
+                <a:latin typeface="Times New Roman" panose="02020603050405020304" pitchFamily="18" charset="0"/>
+                <a:ea typeface="等线" panose="02010600030101010101" pitchFamily="2" charset="-122"/>
+                <a:cs typeface="Times New Roman" panose="02020603050405020304" pitchFamily="18" charset="0"/>
+              </a:rPr>
+              <a:t>此外，决策者通常不仅对单个目标函数表现良好的解决方案感兴趣，而且还对几个标准（如完工时间或流程时间）和涉及迟到度量的标准之间的最佳折衷解决方案感兴趣。</a:t>
+            </a:r>
+            <a:endParaRPr lang="en-US" altLang="zh-CN" sz="1800" kern="100" dirty="0">
+              <a:solidFill>
+                <a:srgbClr val="181717"/>
+              </a:solidFill>
+              <a:effectLst/>
+              <a:latin typeface="Times New Roman" panose="02020603050405020304" pitchFamily="18" charset="0"/>
+              <a:ea typeface="等线" panose="02010600030101010101" pitchFamily="2" charset="-122"/>
+              <a:cs typeface="Times New Roman" panose="02020603050405020304" pitchFamily="18" charset="0"/>
+            </a:endParaRPr>
+          </a:p>
+          <a:p>
+            <a:r>
+              <a:rPr lang="zh-CN" altLang="zh-CN" sz="1800" kern="100" dirty="0">
+                <a:solidFill>
+                  <a:srgbClr val="181717"/>
+                </a:solidFill>
+                <a:effectLst/>
+                <a:latin typeface="Times New Roman" panose="02020603050405020304" pitchFamily="18" charset="0"/>
+                <a:ea typeface="等线" panose="02010600030101010101" pitchFamily="2" charset="-122"/>
+                <a:cs typeface="Times New Roman" panose="02020603050405020304" pitchFamily="18" charset="0"/>
+              </a:rPr>
+              <a:t>下面，我们首先考虑目标函数中的两个标准，最后考虑三个标准。双标准问题涉及完工时间和最大迟到最小化，并且考虑的附加标准是总迟到。目的是为决策者提供一组与非支配标准向量相对应的解决方案，为了更方便也称为帕累托最优解或非支配解决方案。</a:t>
+            </a:r>
+            <a:r>
+              <a:rPr lang="zh-CN" altLang="en-US" sz="1800" kern="100" dirty="0">
+                <a:solidFill>
+                  <a:srgbClr val="181717"/>
+                </a:solidFill>
+                <a:effectLst/>
+                <a:latin typeface="Times New Roman" panose="02020603050405020304" pitchFamily="18" charset="0"/>
+                <a:ea typeface="等线" panose="02010600030101010101" pitchFamily="2" charset="-122"/>
+                <a:cs typeface="Times New Roman" panose="02020603050405020304" pitchFamily="18" charset="0"/>
+              </a:rPr>
+              <a:t>（</a:t>
+            </a:r>
+            <a:r>
+              <a:rPr lang="en-US" altLang="zh-CN" sz="1800" kern="100" dirty="0">
+                <a:solidFill>
+                  <a:srgbClr val="181717"/>
+                </a:solidFill>
+                <a:effectLst/>
+                <a:latin typeface="Times New Roman" panose="02020603050405020304" pitchFamily="18" charset="0"/>
+                <a:ea typeface="等线" panose="02010600030101010101" pitchFamily="2" charset="-122"/>
+                <a:cs typeface="Times New Roman" panose="02020603050405020304" pitchFamily="18" charset="0"/>
+              </a:rPr>
+              <a:t>Pareto optimal solutions or non-dominated solutions</a:t>
+            </a:r>
+            <a:r>
+              <a:rPr lang="zh-CN" altLang="en-US" sz="1800" kern="100" dirty="0">
+                <a:solidFill>
+                  <a:srgbClr val="181717"/>
+                </a:solidFill>
+                <a:effectLst/>
+                <a:latin typeface="Times New Roman" panose="02020603050405020304" pitchFamily="18" charset="0"/>
+                <a:ea typeface="等线" panose="02010600030101010101" pitchFamily="2" charset="-122"/>
+                <a:cs typeface="Times New Roman" panose="02020603050405020304" pitchFamily="18" charset="0"/>
+              </a:rPr>
+              <a:t>）</a:t>
+            </a:r>
+            <a:endParaRPr lang="zh-CN" altLang="en-US" sz="1800" dirty="0"/>
+          </a:p>
+        </p:txBody>
+      </p:sp>
+      <p:sp>
+        <p:nvSpPr>
+          <p:cNvPr id="4" name="灯片编号占位符 3"/>
+          <p:cNvSpPr>
+            <a:spLocks noGrp="1"/>
+          </p:cNvSpPr>
+          <p:nvPr>
+            <p:ph type="sldNum" sz="quarter" idx="5"/>
+          </p:nvPr>
+        </p:nvSpPr>
+        <p:spPr/>
+        <p:txBody>
+          <a:bodyPr/>
+          <a:lstStyle/>
+          <a:p>
+            <a:fld id="{5611A8ED-6551-40FF-AAB9-B579F124B714}" type="slidenum">
+              <a:rPr lang="zh-CN" altLang="en-US" smtClean="0"/>
+              <a:t>5</a:t>
+            </a:fld>
+            <a:endParaRPr lang="zh-CN" altLang="en-US"/>
+          </a:p>
+        </p:txBody>
+      </p:sp>
+    </p:spTree>
+    <p:extLst>
+      <p:ext uri="{BB962C8B-B14F-4D97-AF65-F5344CB8AC3E}">
+        <p14:creationId xmlns:p14="http://schemas.microsoft.com/office/powerpoint/2010/main" val="2315572317"/>
+      </p:ext>
+    </p:extLst>
+  </p:cSld>
+  <p:clrMapOvr>
+    <a:masterClrMapping/>
+  </p:clrMapOvr>
+</p:notes>
+</file>
+
+<file path=ppt/notesSlides/notesSlide4.xml><?xml version="1.0" encoding="utf-8"?>
+<p:notes xmlns:a="http://schemas.openxmlformats.org/drawingml/2006/main" xmlns:r="http://schemas.openxmlformats.org/officeDocument/2006/relationships" xmlns:p="http://schemas.openxmlformats.org/presentationml/2006/main">
+  <p:cSld>
+    <p:spTree>
+      <p:nvGrpSpPr>
+        <p:cNvPr id="1" name=""/>
+        <p:cNvGrpSpPr/>
+        <p:nvPr/>
+      </p:nvGrpSpPr>
+      <p:grpSpPr>
+        <a:xfrm>
+          <a:off x="0" y="0"/>
+          <a:ext cx="0" cy="0"/>
+          <a:chOff x="0" y="0"/>
+          <a:chExt cx="0" cy="0"/>
+        </a:xfrm>
+      </p:grpSpPr>
+      <p:sp>
+        <p:nvSpPr>
+          <p:cNvPr id="2" name="幻灯片图像占位符 1"/>
+          <p:cNvSpPr>
+            <a:spLocks noGrp="1" noRot="1" noChangeAspect="1"/>
+          </p:cNvSpPr>
+          <p:nvPr>
+            <p:ph type="sldImg"/>
+          </p:nvPr>
+        </p:nvSpPr>
+        <p:spPr/>
+      </p:sp>
+      <p:sp>
+        <p:nvSpPr>
+          <p:cNvPr id="3" name="备注占位符 2"/>
+          <p:cNvSpPr>
+            <a:spLocks noGrp="1"/>
+          </p:cNvSpPr>
+          <p:nvPr>
+            <p:ph type="body" idx="1"/>
+          </p:nvPr>
+        </p:nvSpPr>
+        <p:spPr/>
+        <p:txBody>
+          <a:bodyPr/>
+          <a:lstStyle/>
+          <a:p>
+            <a:r>
+              <a:rPr lang="zh-CN" altLang="zh-CN" sz="1800" kern="100" dirty="0">
+                <a:solidFill>
+                  <a:srgbClr val="181717"/>
+                </a:solidFill>
+                <a:effectLst/>
+                <a:latin typeface="Times New Roman" panose="02020603050405020304" pitchFamily="18" charset="0"/>
+                <a:ea typeface="等线" panose="02010600030101010101" pitchFamily="2" charset="-122"/>
+                <a:cs typeface="Times New Roman" panose="02020603050405020304" pitchFamily="18" charset="0"/>
+              </a:rPr>
+              <a:t>此外，决策者通常不仅对单个目标函数表现良好的解决方案感兴趣，而且还对几个标准（如完工时间或流程时间）和涉及迟到度量的标准之间的最佳折衷解决方案感兴趣。</a:t>
+            </a:r>
+            <a:endParaRPr lang="en-US" altLang="zh-CN" sz="1800" kern="100" dirty="0">
+              <a:solidFill>
+                <a:srgbClr val="181717"/>
+              </a:solidFill>
+              <a:effectLst/>
+              <a:latin typeface="Times New Roman" panose="02020603050405020304" pitchFamily="18" charset="0"/>
+              <a:ea typeface="等线" panose="02010600030101010101" pitchFamily="2" charset="-122"/>
+              <a:cs typeface="Times New Roman" panose="02020603050405020304" pitchFamily="18" charset="0"/>
+            </a:endParaRPr>
+          </a:p>
+          <a:p>
+            <a:r>
+              <a:rPr lang="zh-CN" altLang="zh-CN" sz="1800" kern="100" dirty="0">
+                <a:solidFill>
+                  <a:srgbClr val="181717"/>
+                </a:solidFill>
+                <a:effectLst/>
+                <a:latin typeface="Times New Roman" panose="02020603050405020304" pitchFamily="18" charset="0"/>
+                <a:ea typeface="等线" panose="02010600030101010101" pitchFamily="2" charset="-122"/>
+                <a:cs typeface="Times New Roman" panose="02020603050405020304" pitchFamily="18" charset="0"/>
+              </a:rPr>
+              <a:t>下面，我们首先考虑目标函数中的两个标准，最后考虑三个标准。双标准问题涉及完工时间和最大迟到最小化，并且考虑的附加标准是总迟到。目的是为决策者提供一组与非支配标准向量相对应的解决方案，为了更方便也称为帕累托最优解或非支配解决方案。</a:t>
+            </a:r>
+            <a:r>
+              <a:rPr lang="zh-CN" altLang="en-US" sz="1800" kern="100" dirty="0">
+                <a:solidFill>
+                  <a:srgbClr val="181717"/>
+                </a:solidFill>
+                <a:effectLst/>
+                <a:latin typeface="Times New Roman" panose="02020603050405020304" pitchFamily="18" charset="0"/>
+                <a:ea typeface="等线" panose="02010600030101010101" pitchFamily="2" charset="-122"/>
+                <a:cs typeface="Times New Roman" panose="02020603050405020304" pitchFamily="18" charset="0"/>
+              </a:rPr>
+              <a:t>（</a:t>
+            </a:r>
+            <a:r>
+              <a:rPr lang="en-US" altLang="zh-CN" sz="1800" kern="100" dirty="0">
+                <a:solidFill>
+                  <a:srgbClr val="181717"/>
+                </a:solidFill>
+                <a:effectLst/>
+                <a:latin typeface="Times New Roman" panose="02020603050405020304" pitchFamily="18" charset="0"/>
+                <a:ea typeface="等线" panose="02010600030101010101" pitchFamily="2" charset="-122"/>
+                <a:cs typeface="Times New Roman" panose="02020603050405020304" pitchFamily="18" charset="0"/>
+              </a:rPr>
+              <a:t>Pareto optimal solutions or non-dominated solutions</a:t>
+            </a:r>
+            <a:r>
+              <a:rPr lang="zh-CN" altLang="en-US" sz="1800" kern="100" dirty="0">
+                <a:solidFill>
+                  <a:srgbClr val="181717"/>
+                </a:solidFill>
+                <a:effectLst/>
+                <a:latin typeface="Times New Roman" panose="02020603050405020304" pitchFamily="18" charset="0"/>
+                <a:ea typeface="等线" panose="02010600030101010101" pitchFamily="2" charset="-122"/>
+                <a:cs typeface="Times New Roman" panose="02020603050405020304" pitchFamily="18" charset="0"/>
+              </a:rPr>
+              <a:t>）</a:t>
+            </a:r>
+            <a:endParaRPr lang="zh-CN" altLang="en-US" sz="1800" dirty="0"/>
+          </a:p>
+        </p:txBody>
+      </p:sp>
+      <p:sp>
+        <p:nvSpPr>
+          <p:cNvPr id="4" name="灯片编号占位符 3"/>
+          <p:cNvSpPr>
+            <a:spLocks noGrp="1"/>
+          </p:cNvSpPr>
+          <p:nvPr>
+            <p:ph type="sldNum" sz="quarter" idx="5"/>
+          </p:nvPr>
+        </p:nvSpPr>
+        <p:spPr/>
+        <p:txBody>
+          <a:bodyPr/>
+          <a:lstStyle/>
+          <a:p>
+            <a:fld id="{5611A8ED-6551-40FF-AAB9-B579F124B714}" type="slidenum">
+              <a:rPr lang="zh-CN" altLang="en-US" smtClean="0"/>
+              <a:t>6</a:t>
+            </a:fld>
+            <a:endParaRPr lang="zh-CN" altLang="en-US"/>
+          </a:p>
+        </p:txBody>
+      </p:sp>
+    </p:spTree>
+    <p:extLst>
+      <p:ext uri="{BB962C8B-B14F-4D97-AF65-F5344CB8AC3E}">
+        <p14:creationId xmlns:p14="http://schemas.microsoft.com/office/powerpoint/2010/main" val="2666770749"/>
       </p:ext>
     </p:extLst>
   </p:cSld>
@@ -8514,8 +8954,8 @@
                     <a:lumMod val="50000"/>
                   </a:schemeClr>
                 </a:solidFill>
-                <a:latin typeface="+mn-lt"/>
-                <a:ea typeface="华文宋体" panose="02010600040101010101" pitchFamily="2" charset="-122"/>
+                <a:latin typeface="Microsoft YaHei UI" panose="020B0503020204020204" pitchFamily="34" charset="-122"/>
+                <a:ea typeface="Microsoft YaHei UI" panose="020B0503020204020204" pitchFamily="34" charset="-122"/>
               </a:rPr>
               <a:t>王茗琛 </a:t>
             </a:r>
@@ -8526,8 +8966,8 @@
                     <a:lumMod val="50000"/>
                   </a:schemeClr>
                 </a:solidFill>
-                <a:latin typeface="+mn-lt"/>
-                <a:ea typeface="华文宋体" panose="02010600040101010101" pitchFamily="2" charset="-122"/>
+                <a:latin typeface="Microsoft YaHei UI" panose="020B0503020204020204" pitchFamily="34" charset="-122"/>
+                <a:ea typeface="Microsoft YaHei UI" panose="020B0503020204020204" pitchFamily="34" charset="-122"/>
               </a:rPr>
               <a:t>Mingchen</a:t>
             </a:r>
@@ -8538,8 +8978,8 @@
                     <a:lumMod val="50000"/>
                   </a:schemeClr>
                 </a:solidFill>
-                <a:latin typeface="+mn-lt"/>
-                <a:ea typeface="华文宋体" panose="02010600040101010101" pitchFamily="2" charset="-122"/>
+                <a:latin typeface="Microsoft YaHei UI" panose="020B0503020204020204" pitchFamily="34" charset="-122"/>
+                <a:ea typeface="Microsoft YaHei UI" panose="020B0503020204020204" pitchFamily="34" charset="-122"/>
               </a:rPr>
               <a:t> Wang</a:t>
             </a:r>
@@ -8563,8 +9003,8 @@
                     <a:lumMod val="50000"/>
                   </a:schemeClr>
                 </a:solidFill>
-                <a:latin typeface="+mn-lt"/>
-                <a:ea typeface="华文宋体" panose="02010600040101010101" pitchFamily="2" charset="-122"/>
+                <a:latin typeface="Microsoft YaHei UI" panose="020B0503020204020204" pitchFamily="34" charset="-122"/>
+                <a:ea typeface="Microsoft YaHei UI" panose="020B0503020204020204" pitchFamily="34" charset="-122"/>
               </a:rPr>
               <a:t> </a:t>
             </a:r>
@@ -8574,8 +9014,8 @@
                   <a:lumMod val="50000"/>
                 </a:schemeClr>
               </a:solidFill>
-              <a:latin typeface="+mn-lt"/>
-              <a:ea typeface="华文宋体" panose="02010600040101010101" pitchFamily="2" charset="-122"/>
+              <a:latin typeface="Microsoft YaHei UI" panose="020B0503020204020204" pitchFamily="34" charset="-122"/>
+              <a:ea typeface="Microsoft YaHei UI" panose="020B0503020204020204" pitchFamily="34" charset="-122"/>
             </a:endParaRPr>
           </a:p>
           <a:p>
@@ -8597,8 +9037,8 @@
                     <a:lumMod val="50000"/>
                   </a:schemeClr>
                 </a:solidFill>
-                <a:latin typeface="+mn-lt"/>
-                <a:ea typeface="华文宋体" panose="02010600040101010101" pitchFamily="2" charset="-122"/>
+                <a:latin typeface="Microsoft YaHei UI" panose="020B0503020204020204" pitchFamily="34" charset="-122"/>
+                <a:ea typeface="Microsoft YaHei UI" panose="020B0503020204020204" pitchFamily="34" charset="-122"/>
               </a:rPr>
               <a:t>2024</a:t>
             </a:r>
@@ -8655,8 +9095,8 @@
         </p:nvSpPr>
         <p:spPr>
           <a:xfrm>
-            <a:off x="183069" y="2708920"/>
-            <a:ext cx="8777852" cy="954107"/>
+            <a:off x="-444764" y="1844824"/>
+            <a:ext cx="10033516" cy="2160591"/>
           </a:xfrm>
           <a:prstGeom prst="rect">
             <a:avLst/>
@@ -8673,16 +9113,16 @@
               <a:buNone/>
             </a:pPr>
             <a:r>
-              <a:rPr lang="en-US" altLang="zh-CN" sz="2800" dirty="0">
+              <a:rPr lang="en-US" altLang="zh-CN" sz="3200" dirty="0">
                 <a:solidFill>
                   <a:schemeClr val="tx1">
                     <a:lumMod val="50000"/>
                   </a:schemeClr>
                 </a:solidFill>
-                <a:latin typeface="+mj-lt"/>
+                <a:latin typeface="Microsoft YaHei UI" panose="020B0503020204020204" pitchFamily="34" charset="-122"/>
                 <a:ea typeface="Microsoft YaHei UI" panose="020B0503020204020204" pitchFamily="34" charset="-122"/>
               </a:rPr>
-              <a:t>A tabu search algorithm for solving a multicriteria </a:t>
+              <a:t>A tabu search algorithm for solving a </a:t>
             </a:r>
           </a:p>
           <a:p>
@@ -8690,26 +9130,51 @@
               <a:buNone/>
             </a:pPr>
             <a:r>
-              <a:rPr lang="en-US" altLang="zh-CN" sz="2800" dirty="0">
+              <a:rPr lang="en-US" altLang="zh-CN" sz="3200" dirty="0">
                 <a:solidFill>
                   <a:schemeClr val="tx1">
                     <a:lumMod val="50000"/>
                   </a:schemeClr>
                 </a:solidFill>
-                <a:latin typeface="+mj-lt"/>
+                <a:latin typeface="Microsoft YaHei UI" panose="020B0503020204020204" pitchFamily="34" charset="-122"/>
                 <a:ea typeface="Microsoft YaHei UI" panose="020B0503020204020204" pitchFamily="34" charset="-122"/>
               </a:rPr>
-              <a:t>flexible job shop scheduling problem</a:t>
-            </a:r>
-            <a:endParaRPr lang="zh-CN" altLang="en-US" sz="2800" dirty="0">
-              <a:solidFill>
-                <a:schemeClr val="tx1">
-                  <a:lumMod val="50000"/>
-                </a:schemeClr>
-              </a:solidFill>
-              <a:latin typeface="+mj-lt"/>
-              <a:ea typeface="Microsoft YaHei UI" panose="020B0503020204020204" pitchFamily="34" charset="-122"/>
-            </a:endParaRPr>
+              <a:t>multicriteria flexible job shop </a:t>
+            </a:r>
+          </a:p>
+          <a:p>
+            <a:pPr algn="ctr">
+              <a:buNone/>
+            </a:pPr>
+            <a:r>
+              <a:rPr lang="en-US" altLang="zh-CN" sz="3200" dirty="0">
+                <a:solidFill>
+                  <a:schemeClr val="tx1">
+                    <a:lumMod val="50000"/>
+                  </a:schemeClr>
+                </a:solidFill>
+                <a:latin typeface="Microsoft YaHei UI" panose="020B0503020204020204" pitchFamily="34" charset="-122"/>
+                <a:ea typeface="Microsoft YaHei UI" panose="020B0503020204020204" pitchFamily="34" charset="-122"/>
+              </a:rPr>
+              <a:t>scheduling problem</a:t>
+            </a:r>
+          </a:p>
+          <a:p>
+            <a:pPr algn="ctr">
+              <a:buNone/>
+            </a:pPr>
+            <a:r>
+              <a:rPr lang="zh-CN" altLang="en-US" sz="3200" dirty="0">
+                <a:solidFill>
+                  <a:schemeClr val="tx1">
+                    <a:lumMod val="50000"/>
+                  </a:schemeClr>
+                </a:solidFill>
+                <a:latin typeface="Microsoft YaHei UI" panose="020B0503020204020204" pitchFamily="34" charset="-122"/>
+                <a:ea typeface="Microsoft YaHei UI" panose="020B0503020204020204" pitchFamily="34" charset="-122"/>
+              </a:rPr>
+              <a:t>用于解决多标准灵活作业车间调度问题的禁忌搜索算法</a:t>
+            </a:r>
           </a:p>
         </p:txBody>
       </p:sp>
@@ -8728,7 +9193,7 @@
         <p:spPr>
           <a:xfrm>
             <a:off x="899592" y="278602"/>
-            <a:ext cx="5639749" cy="424732"/>
+            <a:ext cx="5799536" cy="424732"/>
           </a:xfrm>
           <a:prstGeom prst="rect">
             <a:avLst/>
@@ -8746,14 +9211,11 @@
             </a:pPr>
             <a:r>
               <a:rPr lang="en-US" altLang="zh-CN" dirty="0">
-                <a:latin typeface="+mj-lt"/>
-                <a:ea typeface="黑体" panose="02010609060101010101" pitchFamily="49" charset="-122"/>
+                <a:latin typeface="Microsoft YaHei UI" panose="020B0503020204020204" pitchFamily="34" charset="-122"/>
+                <a:ea typeface="Microsoft YaHei UI" panose="020B0503020204020204" pitchFamily="34" charset="-122"/>
               </a:rPr>
               <a:t> INTRODUCTION TO MANAGEMENT</a:t>
             </a:r>
-            <a:endParaRPr lang="en-US" altLang="zh-CN" dirty="0">
-              <a:latin typeface="+mj-lt"/>
-            </a:endParaRPr>
           </a:p>
         </p:txBody>
       </p:sp>
@@ -8793,7 +9255,7 @@
         <p:spPr bwMode="auto">
           <a:xfrm>
             <a:off x="791580" y="1556792"/>
-            <a:ext cx="7560840" cy="2192075"/>
+            <a:ext cx="7560840" cy="3674980"/>
           </a:xfrm>
           <a:prstGeom prst="rect">
             <a:avLst/>
@@ -8977,20 +9439,23 @@
             </a:pPr>
             <a:r>
               <a:rPr lang="en-US" altLang="zh-CN" dirty="0">
-                <a:latin typeface="+mj-lt"/>
+                <a:latin typeface="Microsoft YaHei UI" panose="020B0503020204020204" pitchFamily="34" charset="-122"/>
+                <a:ea typeface="Microsoft YaHei UI" panose="020B0503020204020204" pitchFamily="34" charset="-122"/>
                 <a:cs typeface="Times New Roman" panose="02020603050405020304" pitchFamily="18" charset="0"/>
               </a:rPr>
               <a:t>Part 1. </a:t>
             </a:r>
             <a:r>
               <a:rPr lang="zh-CN" altLang="en-US" dirty="0">
-                <a:latin typeface="+mj-lt"/>
+                <a:latin typeface="Microsoft YaHei UI" panose="020B0503020204020204" pitchFamily="34" charset="-122"/>
+                <a:ea typeface="Microsoft YaHei UI" panose="020B0503020204020204" pitchFamily="34" charset="-122"/>
                 <a:cs typeface="Times New Roman" panose="02020603050405020304" pitchFamily="18" charset="0"/>
               </a:rPr>
               <a:t>作者介绍</a:t>
             </a:r>
             <a:endParaRPr lang="en-US" altLang="zh-CN" dirty="0">
-              <a:latin typeface="+mj-lt"/>
+              <a:latin typeface="Microsoft YaHei UI" panose="020B0503020204020204" pitchFamily="34" charset="-122"/>
+              <a:ea typeface="Microsoft YaHei UI" panose="020B0503020204020204" pitchFamily="34" charset="-122"/>
               <a:cs typeface="Times New Roman" panose="02020603050405020304" pitchFamily="18" charset="0"/>
             </a:endParaRPr>
           </a:p>
@@ -9006,20 +9471,23 @@
             </a:pPr>
             <a:r>
               <a:rPr lang="en-US" altLang="zh-CN" dirty="0">
-                <a:latin typeface="+mj-lt"/>
+                <a:latin typeface="Microsoft YaHei UI" panose="020B0503020204020204" pitchFamily="34" charset="-122"/>
+                <a:ea typeface="Microsoft YaHei UI" panose="020B0503020204020204" pitchFamily="34" charset="-122"/>
                 <a:cs typeface="Times New Roman" panose="02020603050405020304" pitchFamily="18" charset="0"/>
               </a:rPr>
               <a:t>Part 2. </a:t>
             </a:r>
             <a:r>
               <a:rPr lang="zh-CN" altLang="en-US" dirty="0">
-                <a:latin typeface="+mj-lt"/>
+                <a:latin typeface="Microsoft YaHei UI" panose="020B0503020204020204" pitchFamily="34" charset="-122"/>
+                <a:ea typeface="Microsoft YaHei UI" panose="020B0503020204020204" pitchFamily="34" charset="-122"/>
                 <a:cs typeface="Times New Roman" panose="02020603050405020304" pitchFamily="18" charset="0"/>
               </a:rPr>
-              <a:t>背景</a:t>
+              <a:t>背景介绍</a:t>
             </a:r>
             <a:endParaRPr lang="en-US" altLang="zh-CN" dirty="0">
-              <a:latin typeface="+mj-lt"/>
+              <a:latin typeface="Microsoft YaHei UI" panose="020B0503020204020204" pitchFamily="34" charset="-122"/>
+              <a:ea typeface="Microsoft YaHei UI" panose="020B0503020204020204" pitchFamily="34" charset="-122"/>
               <a:cs typeface="Times New Roman" panose="02020603050405020304" pitchFamily="18" charset="0"/>
             </a:endParaRPr>
           </a:p>
@@ -9035,20 +9503,87 @@
             </a:pPr>
             <a:r>
               <a:rPr lang="en-US" altLang="zh-CN" dirty="0">
-                <a:latin typeface="+mj-lt"/>
+                <a:latin typeface="Microsoft YaHei UI" panose="020B0503020204020204" pitchFamily="34" charset="-122"/>
+                <a:ea typeface="Microsoft YaHei UI" panose="020B0503020204020204" pitchFamily="34" charset="-122"/>
                 <a:cs typeface="Times New Roman" panose="02020603050405020304" pitchFamily="18" charset="0"/>
               </a:rPr>
               <a:t>Part 3. </a:t>
             </a:r>
             <a:r>
               <a:rPr lang="zh-CN" altLang="en-US" dirty="0">
-                <a:latin typeface="+mj-lt"/>
+                <a:latin typeface="Microsoft YaHei UI" panose="020B0503020204020204" pitchFamily="34" charset="-122"/>
+                <a:ea typeface="Microsoft YaHei UI" panose="020B0503020204020204" pitchFamily="34" charset="-122"/>
                 <a:cs typeface="Times New Roman" panose="02020603050405020304" pitchFamily="18" charset="0"/>
               </a:rPr>
-              <a:t>禁忌算法</a:t>
+              <a:t>禁忌搜索算法</a:t>
             </a:r>
             <a:endParaRPr lang="en-US" altLang="zh-CN" dirty="0">
-              <a:latin typeface="+mj-lt"/>
+              <a:latin typeface="Microsoft YaHei UI" panose="020B0503020204020204" pitchFamily="34" charset="-122"/>
+              <a:ea typeface="Microsoft YaHei UI" panose="020B0503020204020204" pitchFamily="34" charset="-122"/>
+              <a:cs typeface="Times New Roman" panose="02020603050405020304" pitchFamily="18" charset="0"/>
+            </a:endParaRPr>
+          </a:p>
+          <a:p>
+            <a:pPr marL="342900" indent="-342900">
+              <a:lnSpc>
+                <a:spcPct val="200000"/>
+              </a:lnSpc>
+              <a:spcBef>
+                <a:spcPct val="0"/>
+              </a:spcBef>
+              <a:buClrTx/>
+            </a:pPr>
+            <a:r>
+              <a:rPr lang="en-US" altLang="zh-CN" dirty="0">
+                <a:latin typeface="Microsoft YaHei UI" panose="020B0503020204020204" pitchFamily="34" charset="-122"/>
+                <a:ea typeface="Microsoft YaHei UI" panose="020B0503020204020204" pitchFamily="34" charset="-122"/>
+                <a:cs typeface="Times New Roman" panose="02020603050405020304" pitchFamily="18" charset="0"/>
+              </a:rPr>
+              <a:t>Part 4. </a:t>
+            </a:r>
+            <a:r>
+              <a:rPr lang="zh-CN" altLang="en-US" dirty="0">
+                <a:latin typeface="Microsoft YaHei UI" panose="020B0503020204020204" pitchFamily="34" charset="-122"/>
+                <a:ea typeface="Microsoft YaHei UI" panose="020B0503020204020204" pitchFamily="34" charset="-122"/>
+                <a:cs typeface="Times New Roman" panose="02020603050405020304" pitchFamily="18" charset="0"/>
+              </a:rPr>
+              <a:t>实验设置及结果</a:t>
+            </a:r>
+            <a:endParaRPr lang="en-US" altLang="zh-CN" dirty="0">
+              <a:latin typeface="Microsoft YaHei UI" panose="020B0503020204020204" pitchFamily="34" charset="-122"/>
+              <a:ea typeface="Microsoft YaHei UI" panose="020B0503020204020204" pitchFamily="34" charset="-122"/>
+              <a:cs typeface="Times New Roman" panose="02020603050405020304" pitchFamily="18" charset="0"/>
+            </a:endParaRPr>
+          </a:p>
+          <a:p>
+            <a:pPr marL="342900" indent="-342900">
+              <a:lnSpc>
+                <a:spcPct val="200000"/>
+              </a:lnSpc>
+              <a:spcBef>
+                <a:spcPct val="0"/>
+              </a:spcBef>
+              <a:buClrTx/>
+            </a:pPr>
+            <a:r>
+              <a:rPr lang="en-US" altLang="zh-CN" dirty="0">
+                <a:latin typeface="Microsoft YaHei UI" panose="020B0503020204020204" pitchFamily="34" charset="-122"/>
+                <a:ea typeface="Microsoft YaHei UI" panose="020B0503020204020204" pitchFamily="34" charset="-122"/>
+                <a:cs typeface="Times New Roman" panose="02020603050405020304" pitchFamily="18" charset="0"/>
+              </a:rPr>
+              <a:t>Part 5. </a:t>
+            </a:r>
+            <a:r>
+              <a:rPr lang="zh-CN" altLang="en-US" dirty="0">
+                <a:latin typeface="Microsoft YaHei UI" panose="020B0503020204020204" pitchFamily="34" charset="-122"/>
+                <a:ea typeface="Microsoft YaHei UI" panose="020B0503020204020204" pitchFamily="34" charset="-122"/>
+                <a:cs typeface="Times New Roman" panose="02020603050405020304" pitchFamily="18" charset="0"/>
+              </a:rPr>
+              <a:t>结论</a:t>
+            </a:r>
+            <a:endParaRPr lang="en-US" altLang="zh-CN" dirty="0">
+              <a:latin typeface="Microsoft YaHei UI" panose="020B0503020204020204" pitchFamily="34" charset="-122"/>
+              <a:ea typeface="Microsoft YaHei UI" panose="020B0503020204020204" pitchFamily="34" charset="-122"/>
               <a:cs typeface="Times New Roman" panose="02020603050405020304" pitchFamily="18" charset="0"/>
             </a:endParaRPr>
           </a:p>
@@ -9105,7 +9640,7 @@
         <p:spPr>
           <a:xfrm>
             <a:off x="899592" y="278602"/>
-            <a:ext cx="1322798" cy="424732"/>
+            <a:ext cx="1517018" cy="424732"/>
           </a:xfrm>
           <a:prstGeom prst="rect">
             <a:avLst/>
@@ -9123,16 +9658,10 @@
             </a:pPr>
             <a:r>
               <a:rPr lang="en-US" altLang="zh-CN" dirty="0">
-                <a:latin typeface="Times New Roman" panose="02020603050405020304" pitchFamily="18" charset="0"/>
+                <a:latin typeface="Microsoft YaHei UI" panose="020B0503020204020204" pitchFamily="34" charset="-122"/>
+                <a:ea typeface="Microsoft YaHei UI" panose="020B0503020204020204" pitchFamily="34" charset="-122"/>
               </a:rPr>
-              <a:t> </a:t>
-            </a:r>
-            <a:r>
-              <a:rPr lang="en-US" altLang="zh-CN" dirty="0">
-                <a:latin typeface="Times New Roman" panose="02020603050405020304" pitchFamily="18" charset="0"/>
-                <a:ea typeface="黑体" panose="02010609060101010101" pitchFamily="49" charset="-122"/>
-              </a:rPr>
-              <a:t>Content</a:t>
+              <a:t> Content</a:t>
             </a:r>
           </a:p>
         </p:txBody>
@@ -9226,91 +9755,27 @@
           </a:bodyPr>
           <a:lstStyle/>
           <a:p>
-            <a:pPr>
+            <a:pPr defTabSz="504000">
               <a:buNone/>
             </a:pPr>
             <a:r>
               <a:rPr lang="en-US" altLang="zh-CN" dirty="0">
-                <a:latin typeface="+mn-lt"/>
-                <a:ea typeface="+mn-ea"/>
+                <a:latin typeface="Microsoft YaHei UI" panose="020B0503020204020204" pitchFamily="34" charset="-122"/>
+                <a:ea typeface="Microsoft YaHei UI" panose="020B0503020204020204" pitchFamily="34" charset="-122"/>
               </a:rPr>
               <a:t> </a:t>
             </a:r>
             <a:r>
               <a:rPr lang="zh-CN" altLang="en-US" dirty="0">
-                <a:latin typeface="+mn-lt"/>
-                <a:ea typeface="+mn-ea"/>
+                <a:latin typeface="Microsoft YaHei UI" panose="020B0503020204020204" pitchFamily="34" charset="-122"/>
+                <a:ea typeface="Microsoft YaHei UI" panose="020B0503020204020204" pitchFamily="34" charset="-122"/>
               </a:rPr>
               <a:t>作者介绍</a:t>
             </a:r>
             <a:endParaRPr lang="en-US" altLang="zh-CN" dirty="0">
-              <a:latin typeface="+mn-lt"/>
-              <a:ea typeface="+mn-ea"/>
+              <a:latin typeface="Microsoft YaHei UI" panose="020B0503020204020204" pitchFamily="34" charset="-122"/>
+              <a:ea typeface="Microsoft YaHei UI" panose="020B0503020204020204" pitchFamily="34" charset="-122"/>
             </a:endParaRPr>
-          </a:p>
-        </p:txBody>
-      </p:sp>
-      <p:sp>
-        <p:nvSpPr>
-          <p:cNvPr id="5" name="文本框 4">
-            <a:extLst>
-              <a:ext uri="{FF2B5EF4-FFF2-40B4-BE49-F238E27FC236}">
-                <a16:creationId xmlns:a16="http://schemas.microsoft.com/office/drawing/2014/main" id="{6FB9EA49-35BF-AF17-1C8A-E0052C25F3A5}"/>
-              </a:ext>
-            </a:extLst>
-          </p:cNvPr>
-          <p:cNvSpPr txBox="1"/>
-          <p:nvPr/>
-        </p:nvSpPr>
-        <p:spPr>
-          <a:xfrm>
-            <a:off x="2479391" y="1299293"/>
-            <a:ext cx="6125057" cy="2203680"/>
-          </a:xfrm>
-          <a:prstGeom prst="rect">
-            <a:avLst/>
-          </a:prstGeom>
-          <a:noFill/>
-        </p:spPr>
-        <p:txBody>
-          <a:bodyPr wrap="square">
-            <a:spAutoFit/>
-          </a:bodyPr>
-          <a:lstStyle/>
-          <a:p>
-            <a:pPr>
-              <a:buNone/>
-            </a:pPr>
-            <a:r>
-              <a:rPr lang="en-US" altLang="zh-CN" sz="2800" dirty="0">
-                <a:latin typeface="+mn-lt"/>
-                <a:ea typeface="+mn-ea"/>
-              </a:rPr>
-              <a:t>Geoffrey </a:t>
-            </a:r>
-            <a:r>
-              <a:rPr lang="en-US" altLang="zh-CN" sz="2800" dirty="0" err="1">
-                <a:latin typeface="+mn-lt"/>
-                <a:ea typeface="+mn-ea"/>
-              </a:rPr>
-              <a:t>Vilcot</a:t>
-            </a:r>
-            <a:endParaRPr lang="en-US" altLang="zh-CN" sz="2800" dirty="0">
-              <a:latin typeface="+mn-lt"/>
-              <a:ea typeface="+mn-ea"/>
-            </a:endParaRPr>
-          </a:p>
-          <a:p>
-            <a:pPr>
-              <a:buNone/>
-            </a:pPr>
-            <a:r>
-              <a:rPr lang="zh-CN" altLang="en-US" sz="2000" b="0" dirty="0">
-                <a:latin typeface="+mn-lt"/>
-                <a:ea typeface="+mn-ea"/>
-              </a:rPr>
-              <a:t>是一位专注于云、人工智能和大数据的技术专家，在公共服务、工业和奢侈品零售领域拥有丰富的经验。 他对与这些领域相关的技术和商业问题有深入的了解，并能够为公司提出创新且有效的解决方案。 他对技术趋势和市场发展的了解使他成为企业适应和转型的关键人物。</a:t>
-            </a:r>
           </a:p>
         </p:txBody>
       </p:sp>
@@ -9350,112 +9815,6 @@
           </a:prstGeom>
         </p:spPr>
       </p:pic>
-      <p:sp>
-        <p:nvSpPr>
-          <p:cNvPr id="14" name="文本框 13">
-            <a:extLst>
-              <a:ext uri="{FF2B5EF4-FFF2-40B4-BE49-F238E27FC236}">
-                <a16:creationId xmlns:a16="http://schemas.microsoft.com/office/drawing/2014/main" id="{D0A4B9B6-A3E8-6F76-1385-5337B7E7FDB6}"/>
-              </a:ext>
-            </a:extLst>
-          </p:cNvPr>
-          <p:cNvSpPr txBox="1"/>
-          <p:nvPr/>
-        </p:nvSpPr>
-        <p:spPr>
-          <a:xfrm>
-            <a:off x="539552" y="4322852"/>
-            <a:ext cx="6125057" cy="1372683"/>
-          </a:xfrm>
-          <a:prstGeom prst="rect">
-            <a:avLst/>
-          </a:prstGeom>
-          <a:noFill/>
-        </p:spPr>
-        <p:txBody>
-          <a:bodyPr wrap="square">
-            <a:spAutoFit/>
-          </a:bodyPr>
-          <a:lstStyle/>
-          <a:p>
-            <a:pPr>
-              <a:buNone/>
-            </a:pPr>
-            <a:r>
-              <a:rPr lang="en-US" altLang="zh-CN" sz="2800" dirty="0">
-                <a:latin typeface="+mn-lt"/>
-                <a:ea typeface="+mn-ea"/>
-              </a:rPr>
-              <a:t>Jean-Charles </a:t>
-            </a:r>
-            <a:r>
-              <a:rPr lang="en-US" altLang="zh-CN" sz="2800" dirty="0" err="1">
-                <a:latin typeface="+mn-lt"/>
-                <a:ea typeface="+mn-ea"/>
-              </a:rPr>
-              <a:t>Billaut</a:t>
-            </a:r>
-            <a:endParaRPr lang="en-US" altLang="zh-CN" sz="2800" dirty="0">
-              <a:latin typeface="+mn-lt"/>
-              <a:ea typeface="+mn-ea"/>
-            </a:endParaRPr>
-          </a:p>
-          <a:p>
-            <a:pPr>
-              <a:buNone/>
-            </a:pPr>
-            <a:r>
-              <a:rPr lang="zh-CN" altLang="en-US" sz="2000" b="0" dirty="0">
-                <a:latin typeface="+mn-lt"/>
-                <a:ea typeface="+mn-ea"/>
-              </a:rPr>
-              <a:t>是法国图尔大学理工学院计算机科学教授。他教授汇编语言和运筹学（图论和动态编程）。他还是法国 </a:t>
-            </a:r>
-            <a:r>
-              <a:rPr lang="en-US" altLang="zh-CN" sz="2000" b="0" dirty="0">
-                <a:latin typeface="+mn-lt"/>
-                <a:ea typeface="+mn-ea"/>
-              </a:rPr>
-              <a:t>OR </a:t>
-            </a:r>
-            <a:r>
-              <a:rPr lang="zh-CN" altLang="en-US" sz="2000" b="0" dirty="0">
-                <a:latin typeface="+mn-lt"/>
-                <a:ea typeface="+mn-ea"/>
-              </a:rPr>
-              <a:t>协会董事会成员（</a:t>
-            </a:r>
-            <a:r>
-              <a:rPr lang="en-US" altLang="zh-CN" sz="2000" b="0" dirty="0">
-                <a:latin typeface="+mn-lt"/>
-                <a:ea typeface="+mn-ea"/>
-              </a:rPr>
-              <a:t>2006 </a:t>
-            </a:r>
-            <a:r>
-              <a:rPr lang="zh-CN" altLang="en-US" sz="2000" b="0" dirty="0">
-                <a:latin typeface="+mn-lt"/>
-                <a:ea typeface="+mn-ea"/>
-              </a:rPr>
-              <a:t>年和 </a:t>
-            </a:r>
-            <a:r>
-              <a:rPr lang="en-US" altLang="zh-CN" sz="2000" b="0" dirty="0">
-                <a:latin typeface="+mn-lt"/>
-                <a:ea typeface="+mn-ea"/>
-              </a:rPr>
-              <a:t>2007 </a:t>
-            </a:r>
-            <a:r>
-              <a:rPr lang="zh-CN" altLang="en-US" sz="2000" b="0" dirty="0">
-                <a:latin typeface="+mn-lt"/>
-                <a:ea typeface="+mn-ea"/>
-              </a:rPr>
-              <a:t>年担任主席）。</a:t>
-            </a:r>
-          </a:p>
-        </p:txBody>
-      </p:sp>
       <p:pic>
         <p:nvPicPr>
           <p:cNvPr id="1030" name="Picture 6" descr="Créativité - Équité - Qualité">
@@ -9485,8 +9844,636 @@
         </p:blipFill>
         <p:spPr bwMode="auto">
           <a:xfrm>
-            <a:off x="6852368" y="4323629"/>
+            <a:off x="6852368" y="4269650"/>
             <a:ext cx="1752080" cy="1985691"/>
+          </a:xfrm>
+          <a:prstGeom prst="rect">
+            <a:avLst/>
+          </a:prstGeom>
+          <a:noFill/>
+          <a:extLst>
+            <a:ext uri="{909E8E84-426E-40DD-AFC4-6F175D3DCCD1}">
+              <a14:hiddenFill xmlns:a14="http://schemas.microsoft.com/office/drawing/2010/main">
+                <a:solidFill>
+                  <a:srgbClr val="FFFFFF"/>
+                </a:solidFill>
+              </a14:hiddenFill>
+            </a:ext>
+          </a:extLst>
+        </p:spPr>
+      </p:pic>
+      <p:sp>
+        <p:nvSpPr>
+          <p:cNvPr id="3" name="文本框 2">
+            <a:extLst>
+              <a:ext uri="{FF2B5EF4-FFF2-40B4-BE49-F238E27FC236}">
+                <a16:creationId xmlns:a16="http://schemas.microsoft.com/office/drawing/2014/main" id="{CE44D916-6701-39C6-F449-C0C90A25621D}"/>
+              </a:ext>
+            </a:extLst>
+          </p:cNvPr>
+          <p:cNvSpPr txBox="1"/>
+          <p:nvPr/>
+        </p:nvSpPr>
+        <p:spPr>
+          <a:xfrm>
+            <a:off x="2483768" y="1424180"/>
+            <a:ext cx="6120680" cy="2203680"/>
+          </a:xfrm>
+          <a:prstGeom prst="rect">
+            <a:avLst/>
+          </a:prstGeom>
+          <a:noFill/>
+        </p:spPr>
+        <p:txBody>
+          <a:bodyPr wrap="square">
+            <a:spAutoFit/>
+          </a:bodyPr>
+          <a:lstStyle/>
+          <a:p>
+            <a:pPr defTabSz="504000">
+              <a:buNone/>
+            </a:pPr>
+            <a:r>
+              <a:rPr lang="en-US" altLang="zh-CN" dirty="0">
+                <a:latin typeface="Microsoft YaHei UI" panose="020B0503020204020204" pitchFamily="34" charset="-122"/>
+                <a:ea typeface="Microsoft YaHei UI" panose="020B0503020204020204" pitchFamily="34" charset="-122"/>
+              </a:rPr>
+              <a:t>Geoffrey </a:t>
+            </a:r>
+            <a:r>
+              <a:rPr lang="en-US" altLang="zh-CN" dirty="0" err="1">
+                <a:latin typeface="Microsoft YaHei UI" panose="020B0503020204020204" pitchFamily="34" charset="-122"/>
+                <a:ea typeface="Microsoft YaHei UI" panose="020B0503020204020204" pitchFamily="34" charset="-122"/>
+              </a:rPr>
+              <a:t>Vilcot</a:t>
+            </a:r>
+            <a:endParaRPr lang="en-US" altLang="zh-CN" b="0" dirty="0">
+              <a:latin typeface="Microsoft YaHei UI" panose="020B0503020204020204" pitchFamily="34" charset="-122"/>
+              <a:ea typeface="Microsoft YaHei UI" panose="020B0503020204020204" pitchFamily="34" charset="-122"/>
+            </a:endParaRPr>
+          </a:p>
+          <a:p>
+            <a:pPr defTabSz="504000">
+              <a:buNone/>
+            </a:pPr>
+            <a:r>
+              <a:rPr lang="en-US" altLang="zh-CN" sz="2000" b="0" dirty="0">
+                <a:latin typeface="Microsoft YaHei UI" panose="020B0503020204020204" pitchFamily="34" charset="-122"/>
+                <a:ea typeface="Microsoft YaHei UI" panose="020B0503020204020204" pitchFamily="34" charset="-122"/>
+              </a:rPr>
+              <a:t>	</a:t>
+            </a:r>
+            <a:r>
+              <a:rPr lang="zh-CN" altLang="en-US" sz="2000" b="0" dirty="0">
+                <a:latin typeface="Microsoft YaHei UI" panose="020B0503020204020204" pitchFamily="34" charset="-122"/>
+                <a:ea typeface="Microsoft YaHei UI" panose="020B0503020204020204" pitchFamily="34" charset="-122"/>
+              </a:rPr>
+              <a:t>是一位专注于云、人工智能和大数据的技术专家，在公共服务、工业和奢侈品零售领域拥有丰富的经验。 他对与这些领域相关的技术和商业问题有深入的了解，并能够为公司提出创新且有效的解决方案。 他对技术趋势和市场发展的了解使他成为企业适应和转型的关键人物。</a:t>
+            </a:r>
+            <a:endParaRPr lang="zh-CN" altLang="en-US" sz="2000" dirty="0">
+              <a:latin typeface="Microsoft YaHei UI" panose="020B0503020204020204" pitchFamily="34" charset="-122"/>
+              <a:ea typeface="Microsoft YaHei UI" panose="020B0503020204020204" pitchFamily="34" charset="-122"/>
+            </a:endParaRPr>
+          </a:p>
+        </p:txBody>
+      </p:sp>
+      <p:sp>
+        <p:nvSpPr>
+          <p:cNvPr id="6" name="文本框 5">
+            <a:extLst>
+              <a:ext uri="{FF2B5EF4-FFF2-40B4-BE49-F238E27FC236}">
+                <a16:creationId xmlns:a16="http://schemas.microsoft.com/office/drawing/2014/main" id="{A7F8CBA2-E789-005A-1E2A-9D83C4030819}"/>
+              </a:ext>
+            </a:extLst>
+          </p:cNvPr>
+          <p:cNvSpPr txBox="1"/>
+          <p:nvPr/>
+        </p:nvSpPr>
+        <p:spPr>
+          <a:xfrm>
+            <a:off x="395536" y="4437112"/>
+            <a:ext cx="6285234" cy="1317284"/>
+          </a:xfrm>
+          <a:prstGeom prst="rect">
+            <a:avLst/>
+          </a:prstGeom>
+          <a:noFill/>
+        </p:spPr>
+        <p:txBody>
+          <a:bodyPr wrap="square">
+            <a:spAutoFit/>
+          </a:bodyPr>
+          <a:lstStyle/>
+          <a:p>
+            <a:pPr defTabSz="504000">
+              <a:buNone/>
+            </a:pPr>
+            <a:r>
+              <a:rPr lang="en-US" altLang="zh-CN" dirty="0">
+                <a:latin typeface="Microsoft YaHei UI" panose="020B0503020204020204" pitchFamily="34" charset="-122"/>
+                <a:ea typeface="Microsoft YaHei UI" panose="020B0503020204020204" pitchFamily="34" charset="-122"/>
+              </a:rPr>
+              <a:t>Jean-Charles </a:t>
+            </a:r>
+            <a:r>
+              <a:rPr lang="en-US" altLang="zh-CN" dirty="0" err="1">
+                <a:latin typeface="Microsoft YaHei UI" panose="020B0503020204020204" pitchFamily="34" charset="-122"/>
+                <a:ea typeface="Microsoft YaHei UI" panose="020B0503020204020204" pitchFamily="34" charset="-122"/>
+              </a:rPr>
+              <a:t>Billaut</a:t>
+            </a:r>
+            <a:endParaRPr lang="en-US" altLang="zh-CN" dirty="0">
+              <a:latin typeface="Microsoft YaHei UI" panose="020B0503020204020204" pitchFamily="34" charset="-122"/>
+              <a:ea typeface="Microsoft YaHei UI" panose="020B0503020204020204" pitchFamily="34" charset="-122"/>
+            </a:endParaRPr>
+          </a:p>
+          <a:p>
+            <a:pPr defTabSz="504000">
+              <a:buNone/>
+            </a:pPr>
+            <a:r>
+              <a:rPr lang="en-US" altLang="zh-CN" sz="2000" b="0" dirty="0">
+                <a:latin typeface="Microsoft YaHei UI" panose="020B0503020204020204" pitchFamily="34" charset="-122"/>
+                <a:ea typeface="Microsoft YaHei UI" panose="020B0503020204020204" pitchFamily="34" charset="-122"/>
+              </a:rPr>
+              <a:t>	</a:t>
+            </a:r>
+            <a:r>
+              <a:rPr lang="zh-CN" altLang="en-US" sz="2000" b="0" dirty="0">
+                <a:latin typeface="Microsoft YaHei UI" panose="020B0503020204020204" pitchFamily="34" charset="-122"/>
+                <a:ea typeface="Microsoft YaHei UI" panose="020B0503020204020204" pitchFamily="34" charset="-122"/>
+              </a:rPr>
+              <a:t>是法国图尔大学理工学院计算机科学教授。他教授汇编语言和运筹学（图论和动态编程）。他还是法国 </a:t>
+            </a:r>
+            <a:r>
+              <a:rPr lang="en-US" altLang="zh-CN" sz="2000" b="0" dirty="0">
+                <a:latin typeface="Microsoft YaHei UI" panose="020B0503020204020204" pitchFamily="34" charset="-122"/>
+                <a:ea typeface="Microsoft YaHei UI" panose="020B0503020204020204" pitchFamily="34" charset="-122"/>
+              </a:rPr>
+              <a:t>OR </a:t>
+            </a:r>
+            <a:r>
+              <a:rPr lang="zh-CN" altLang="en-US" sz="2000" b="0" dirty="0">
+                <a:latin typeface="Microsoft YaHei UI" panose="020B0503020204020204" pitchFamily="34" charset="-122"/>
+                <a:ea typeface="Microsoft YaHei UI" panose="020B0503020204020204" pitchFamily="34" charset="-122"/>
+              </a:rPr>
+              <a:t>协会董事会成员（</a:t>
+            </a:r>
+            <a:r>
+              <a:rPr lang="en-US" altLang="zh-CN" sz="2000" b="0" dirty="0">
+                <a:latin typeface="Microsoft YaHei UI" panose="020B0503020204020204" pitchFamily="34" charset="-122"/>
+                <a:ea typeface="Microsoft YaHei UI" panose="020B0503020204020204" pitchFamily="34" charset="-122"/>
+              </a:rPr>
+              <a:t>2006 </a:t>
+            </a:r>
+            <a:r>
+              <a:rPr lang="zh-CN" altLang="en-US" sz="2000" b="0" dirty="0">
+                <a:latin typeface="Microsoft YaHei UI" panose="020B0503020204020204" pitchFamily="34" charset="-122"/>
+                <a:ea typeface="Microsoft YaHei UI" panose="020B0503020204020204" pitchFamily="34" charset="-122"/>
+              </a:rPr>
+              <a:t>年和 </a:t>
+            </a:r>
+            <a:r>
+              <a:rPr lang="en-US" altLang="zh-CN" sz="2000" b="0" dirty="0">
+                <a:latin typeface="Microsoft YaHei UI" panose="020B0503020204020204" pitchFamily="34" charset="-122"/>
+                <a:ea typeface="Microsoft YaHei UI" panose="020B0503020204020204" pitchFamily="34" charset="-122"/>
+              </a:rPr>
+              <a:t>2007 </a:t>
+            </a:r>
+            <a:r>
+              <a:rPr lang="zh-CN" altLang="en-US" sz="2000" b="0" dirty="0">
+                <a:latin typeface="Microsoft YaHei UI" panose="020B0503020204020204" pitchFamily="34" charset="-122"/>
+                <a:ea typeface="Microsoft YaHei UI" panose="020B0503020204020204" pitchFamily="34" charset="-122"/>
+              </a:rPr>
+              <a:t>年担任主席）。</a:t>
+            </a:r>
+            <a:endParaRPr lang="zh-CN" altLang="en-US" sz="2000" dirty="0">
+              <a:latin typeface="Microsoft YaHei UI" panose="020B0503020204020204" pitchFamily="34" charset="-122"/>
+              <a:ea typeface="Microsoft YaHei UI" panose="020B0503020204020204" pitchFamily="34" charset="-122"/>
+            </a:endParaRPr>
+          </a:p>
+        </p:txBody>
+      </p:sp>
+    </p:spTree>
+    <p:extLst>
+      <p:ext uri="{BB962C8B-B14F-4D97-AF65-F5344CB8AC3E}">
+        <p14:creationId xmlns:p14="http://schemas.microsoft.com/office/powerpoint/2010/main" val="95961388"/>
+      </p:ext>
+    </p:extLst>
+  </p:cSld>
+  <p:clrMapOvr>
+    <a:masterClrMapping/>
+  </p:clrMapOvr>
+</p:sld>
+</file>
+
+<file path=ppt/slides/slide4.xml><?xml version="1.0" encoding="utf-8"?>
+<p:sld xmlns:a="http://schemas.openxmlformats.org/drawingml/2006/main" xmlns:r="http://schemas.openxmlformats.org/officeDocument/2006/relationships" xmlns:p="http://schemas.openxmlformats.org/presentationml/2006/main">
+  <p:cSld>
+    <p:spTree>
+      <p:nvGrpSpPr>
+        <p:cNvPr id="1" name=""/>
+        <p:cNvGrpSpPr/>
+        <p:nvPr/>
+      </p:nvGrpSpPr>
+      <p:grpSpPr>
+        <a:xfrm>
+          <a:off x="0" y="0"/>
+          <a:ext cx="0" cy="0"/>
+          <a:chOff x="0" y="0"/>
+          <a:chExt cx="0" cy="0"/>
+        </a:xfrm>
+      </p:grpSpPr>
+      <p:pic>
+        <p:nvPicPr>
+          <p:cNvPr id="2" name="图片 1">
+            <a:extLst>
+              <a:ext uri="{FF2B5EF4-FFF2-40B4-BE49-F238E27FC236}">
+                <a16:creationId xmlns:a16="http://schemas.microsoft.com/office/drawing/2014/main" id="{9A5A6E63-198D-8E78-9CA6-2DC84902ACF2}"/>
+              </a:ext>
+            </a:extLst>
+          </p:cNvPr>
+          <p:cNvPicPr>
+            <a:picLocks noChangeAspect="1"/>
+          </p:cNvPicPr>
+          <p:nvPr/>
+        </p:nvPicPr>
+        <p:blipFill>
+          <a:blip r:embed="rId3">
+            <a:extLst>
+              <a:ext uri="{28A0092B-C50C-407E-A947-70E740481C1C}">
+                <a14:useLocalDpi xmlns:a14="http://schemas.microsoft.com/office/drawing/2010/main" val="0"/>
+              </a:ext>
+            </a:extLst>
+          </a:blip>
+          <a:stretch>
+            <a:fillRect/>
+          </a:stretch>
+        </p:blipFill>
+        <p:spPr>
+          <a:xfrm>
+            <a:off x="107504" y="58920"/>
+            <a:ext cx="864096" cy="864096"/>
+          </a:xfrm>
+          <a:prstGeom prst="rect">
+            <a:avLst/>
+          </a:prstGeom>
+        </p:spPr>
+      </p:pic>
+      <p:sp>
+        <p:nvSpPr>
+          <p:cNvPr id="4" name="文本框 3">
+            <a:extLst>
+              <a:ext uri="{FF2B5EF4-FFF2-40B4-BE49-F238E27FC236}">
+                <a16:creationId xmlns:a16="http://schemas.microsoft.com/office/drawing/2014/main" id="{34C20FFA-E588-4ADA-733B-AC243EA9CA00}"/>
+              </a:ext>
+            </a:extLst>
+          </p:cNvPr>
+          <p:cNvSpPr txBox="1"/>
+          <p:nvPr/>
+        </p:nvSpPr>
+        <p:spPr>
+          <a:xfrm>
+            <a:off x="899592" y="278602"/>
+            <a:ext cx="1507144" cy="424732"/>
+          </a:xfrm>
+          <a:prstGeom prst="rect">
+            <a:avLst/>
+          </a:prstGeom>
+          <a:noFill/>
+        </p:spPr>
+        <p:txBody>
+          <a:bodyPr wrap="none" rtlCol="0">
+            <a:spAutoFit/>
+          </a:bodyPr>
+          <a:lstStyle/>
+          <a:p>
+            <a:pPr>
+              <a:buNone/>
+            </a:pPr>
+            <a:r>
+              <a:rPr lang="en-US" altLang="zh-CN" dirty="0">
+                <a:latin typeface="Microsoft YaHei UI" panose="020B0503020204020204" pitchFamily="34" charset="-122"/>
+                <a:ea typeface="Microsoft YaHei UI" panose="020B0503020204020204" pitchFamily="34" charset="-122"/>
+              </a:rPr>
+              <a:t> </a:t>
+            </a:r>
+            <a:r>
+              <a:rPr lang="zh-CN" altLang="en-US" dirty="0">
+                <a:latin typeface="Microsoft YaHei UI" panose="020B0503020204020204" pitchFamily="34" charset="-122"/>
+                <a:ea typeface="Microsoft YaHei UI" panose="020B0503020204020204" pitchFamily="34" charset="-122"/>
+              </a:rPr>
+              <a:t>背景介绍</a:t>
+            </a:r>
+            <a:endParaRPr lang="en-US" altLang="zh-CN" dirty="0">
+              <a:latin typeface="Microsoft YaHei UI" panose="020B0503020204020204" pitchFamily="34" charset="-122"/>
+              <a:ea typeface="Microsoft YaHei UI" panose="020B0503020204020204" pitchFamily="34" charset="-122"/>
+            </a:endParaRPr>
+          </a:p>
+        </p:txBody>
+      </p:sp>
+      <p:sp>
+        <p:nvSpPr>
+          <p:cNvPr id="5" name="文本框 4">
+            <a:extLst>
+              <a:ext uri="{FF2B5EF4-FFF2-40B4-BE49-F238E27FC236}">
+                <a16:creationId xmlns:a16="http://schemas.microsoft.com/office/drawing/2014/main" id="{6FB9EA49-35BF-AF17-1C8A-E0052C25F3A5}"/>
+              </a:ext>
+            </a:extLst>
+          </p:cNvPr>
+          <p:cNvSpPr txBox="1"/>
+          <p:nvPr/>
+        </p:nvSpPr>
+        <p:spPr>
+          <a:xfrm>
+            <a:off x="755576" y="4679271"/>
+            <a:ext cx="7488832" cy="1200329"/>
+          </a:xfrm>
+          <a:prstGeom prst="rect">
+            <a:avLst/>
+          </a:prstGeom>
+          <a:noFill/>
+        </p:spPr>
+        <p:txBody>
+          <a:bodyPr wrap="square">
+            <a:spAutoFit/>
+          </a:bodyPr>
+          <a:lstStyle/>
+          <a:p>
+            <a:pPr defTabSz="504000">
+              <a:buNone/>
+            </a:pPr>
+            <a:r>
+              <a:rPr lang="en-US" altLang="zh-CN" sz="2000" b="0" dirty="0">
+                <a:latin typeface="Microsoft YaHei UI" panose="020B0503020204020204" pitchFamily="34" charset="-122"/>
+                <a:ea typeface="Microsoft YaHei UI" panose="020B0503020204020204" pitchFamily="34" charset="-122"/>
+              </a:rPr>
+              <a:t>	</a:t>
+            </a:r>
+            <a:r>
+              <a:rPr lang="zh-CN" altLang="en-US" sz="2000" b="0" dirty="0">
+                <a:latin typeface="Microsoft YaHei UI" panose="020B0503020204020204" pitchFamily="34" charset="-122"/>
+                <a:ea typeface="Microsoft YaHei UI" panose="020B0503020204020204" pitchFamily="34" charset="-122"/>
+              </a:rPr>
+              <a:t>在印刷和纸板行业中，车间由多台并行的机器组成，主要是</a:t>
+            </a:r>
+            <a:r>
+              <a:rPr lang="zh-CN" altLang="en-US" sz="2000" dirty="0">
+                <a:latin typeface="Microsoft YaHei UI" panose="020B0503020204020204" pitchFamily="34" charset="-122"/>
+                <a:ea typeface="Microsoft YaHei UI" panose="020B0503020204020204" pitchFamily="34" charset="-122"/>
+              </a:rPr>
+              <a:t>印刷机</a:t>
+            </a:r>
+            <a:r>
+              <a:rPr lang="zh-CN" altLang="en-US" sz="2000" b="0" dirty="0">
+                <a:latin typeface="Microsoft YaHei UI" panose="020B0503020204020204" pitchFamily="34" charset="-122"/>
+                <a:ea typeface="Microsoft YaHei UI" panose="020B0503020204020204" pitchFamily="34" charset="-122"/>
+              </a:rPr>
+              <a:t>、</a:t>
+            </a:r>
+            <a:r>
+              <a:rPr lang="zh-CN" altLang="en-US" sz="2000" dirty="0">
+                <a:latin typeface="Microsoft YaHei UI" panose="020B0503020204020204" pitchFamily="34" charset="-122"/>
+                <a:ea typeface="Microsoft YaHei UI" panose="020B0503020204020204" pitchFamily="34" charset="-122"/>
+              </a:rPr>
+              <a:t>梳理机</a:t>
+            </a:r>
+            <a:r>
+              <a:rPr lang="zh-CN" altLang="en-US" sz="2000" b="0" dirty="0">
+                <a:latin typeface="Microsoft YaHei UI" panose="020B0503020204020204" pitchFamily="34" charset="-122"/>
+                <a:ea typeface="Microsoft YaHei UI" panose="020B0503020204020204" pitchFamily="34" charset="-122"/>
+              </a:rPr>
+              <a:t>和</a:t>
+            </a:r>
+            <a:r>
+              <a:rPr lang="zh-CN" altLang="en-US" sz="2000" dirty="0">
+                <a:latin typeface="Microsoft YaHei UI" panose="020B0503020204020204" pitchFamily="34" charset="-122"/>
+                <a:ea typeface="Microsoft YaHei UI" panose="020B0503020204020204" pitchFamily="34" charset="-122"/>
+              </a:rPr>
+              <a:t>折页机</a:t>
+            </a:r>
+            <a:r>
+              <a:rPr lang="zh-CN" altLang="en-US" sz="2000" b="0" dirty="0">
+                <a:latin typeface="Microsoft YaHei UI" panose="020B0503020204020204" pitchFamily="34" charset="-122"/>
+                <a:ea typeface="Microsoft YaHei UI" panose="020B0503020204020204" pitchFamily="34" charset="-122"/>
+              </a:rPr>
+              <a:t>。通常不止一台印刷机执行</a:t>
+            </a:r>
+            <a:r>
+              <a:rPr lang="zh-CN" altLang="en-US" sz="2000" dirty="0">
+                <a:latin typeface="Microsoft YaHei UI" panose="020B0503020204020204" pitchFamily="34" charset="-122"/>
+                <a:ea typeface="Microsoft YaHei UI" panose="020B0503020204020204" pitchFamily="34" charset="-122"/>
+              </a:rPr>
+              <a:t>印刷操作</a:t>
+            </a:r>
+            <a:r>
+              <a:rPr lang="zh-CN" altLang="en-US" sz="2000" b="0" dirty="0">
+                <a:latin typeface="Microsoft YaHei UI" panose="020B0503020204020204" pitchFamily="34" charset="-122"/>
+                <a:ea typeface="Microsoft YaHei UI" panose="020B0503020204020204" pitchFamily="34" charset="-122"/>
+              </a:rPr>
+              <a:t>，梳理机和折页机同理。因此，除了调度操作的问题，确定每个操作的开始时间的问题之外，存在确定执行机器的分配问题。</a:t>
+            </a:r>
+            <a:endParaRPr lang="zh-CN" altLang="en-US" sz="2000" dirty="0">
+              <a:latin typeface="Microsoft YaHei UI" panose="020B0503020204020204" pitchFamily="34" charset="-122"/>
+              <a:ea typeface="Microsoft YaHei UI" panose="020B0503020204020204" pitchFamily="34" charset="-122"/>
+            </a:endParaRPr>
+          </a:p>
+        </p:txBody>
+      </p:sp>
+      <p:pic>
+        <p:nvPicPr>
+          <p:cNvPr id="1028" name="Picture 4" descr="valtorta st/e全自动印刷机_精确的电子控制实现高精度板材印刷">
+            <a:extLst>
+              <a:ext uri="{FF2B5EF4-FFF2-40B4-BE49-F238E27FC236}">
+                <a16:creationId xmlns:a16="http://schemas.microsoft.com/office/drawing/2014/main" id="{F99124C2-F801-E8F1-1CAA-711C4E1AA665}"/>
+              </a:ext>
+            </a:extLst>
+          </p:cNvPr>
+          <p:cNvPicPr>
+            <a:picLocks noChangeAspect="1" noChangeArrowheads="1"/>
+          </p:cNvPicPr>
+          <p:nvPr/>
+        </p:nvPicPr>
+        <p:blipFill>
+          <a:blip r:embed="rId4" cstate="print">
+            <a:extLst>
+              <a:ext uri="{28A0092B-C50C-407E-A947-70E740481C1C}">
+                <a14:useLocalDpi xmlns:a14="http://schemas.microsoft.com/office/drawing/2010/main" val="0"/>
+              </a:ext>
+            </a:extLst>
+          </a:blip>
+          <a:srcRect/>
+          <a:stretch>
+            <a:fillRect/>
+          </a:stretch>
+        </p:blipFill>
+        <p:spPr bwMode="auto">
+          <a:xfrm>
+            <a:off x="0" y="2012646"/>
+            <a:ext cx="2845604" cy="1610533"/>
+          </a:xfrm>
+          <a:prstGeom prst="rect">
+            <a:avLst/>
+          </a:prstGeom>
+          <a:noFill/>
+          <a:extLst>
+            <a:ext uri="{909E8E84-426E-40DD-AFC4-6F175D3DCCD1}">
+              <a14:hiddenFill xmlns:a14="http://schemas.microsoft.com/office/drawing/2010/main">
+                <a:solidFill>
+                  <a:srgbClr val="FFFFFF"/>
+                </a:solidFill>
+              </a14:hiddenFill>
+            </a:ext>
+          </a:extLst>
+        </p:spPr>
+      </p:pic>
+      <p:pic>
+        <p:nvPicPr>
+          <p:cNvPr id="1032" name="Picture 8" descr="TF051A系列梳理机,【梳理机】_台纺机械(常州)有限公司_无纺设备厂">
+            <a:extLst>
+              <a:ext uri="{FF2B5EF4-FFF2-40B4-BE49-F238E27FC236}">
+                <a16:creationId xmlns:a16="http://schemas.microsoft.com/office/drawing/2014/main" id="{4209B45C-60BA-B720-1076-6BD1F13D2308}"/>
+              </a:ext>
+            </a:extLst>
+          </p:cNvPr>
+          <p:cNvPicPr>
+            <a:picLocks noChangeAspect="1" noChangeArrowheads="1"/>
+          </p:cNvPicPr>
+          <p:nvPr/>
+        </p:nvPicPr>
+        <p:blipFill>
+          <a:blip r:embed="rId5">
+            <a:extLst>
+              <a:ext uri="{28A0092B-C50C-407E-A947-70E740481C1C}">
+                <a14:useLocalDpi xmlns:a14="http://schemas.microsoft.com/office/drawing/2010/main" val="0"/>
+              </a:ext>
+            </a:extLst>
+          </a:blip>
+          <a:srcRect/>
+          <a:stretch>
+            <a:fillRect/>
+          </a:stretch>
+        </p:blipFill>
+        <p:spPr bwMode="auto">
+          <a:xfrm>
+            <a:off x="3159782" y="1427282"/>
+            <a:ext cx="2845604" cy="2695543"/>
+          </a:xfrm>
+          <a:prstGeom prst="rect">
+            <a:avLst/>
+          </a:prstGeom>
+          <a:noFill/>
+          <a:extLst>
+            <a:ext uri="{909E8E84-426E-40DD-AFC4-6F175D3DCCD1}">
+              <a14:hiddenFill xmlns:a14="http://schemas.microsoft.com/office/drawing/2010/main">
+                <a:solidFill>
+                  <a:srgbClr val="FFFFFF"/>
+                </a:solidFill>
+              </a14:hiddenFill>
+            </a:ext>
+          </a:extLst>
+        </p:spPr>
+      </p:pic>
+      <p:sp>
+        <p:nvSpPr>
+          <p:cNvPr id="6" name="文本框 5">
+            <a:extLst>
+              <a:ext uri="{FF2B5EF4-FFF2-40B4-BE49-F238E27FC236}">
+                <a16:creationId xmlns:a16="http://schemas.microsoft.com/office/drawing/2014/main" id="{39BAC999-6D01-16F4-DEDC-F5B5895192FB}"/>
+              </a:ext>
+            </a:extLst>
+          </p:cNvPr>
+          <p:cNvSpPr txBox="1"/>
+          <p:nvPr/>
+        </p:nvSpPr>
+        <p:spPr>
+          <a:xfrm>
+            <a:off x="827584" y="3776514"/>
+            <a:ext cx="7920880" cy="369332"/>
+          </a:xfrm>
+          <a:prstGeom prst="rect">
+            <a:avLst/>
+          </a:prstGeom>
+          <a:noFill/>
+        </p:spPr>
+        <p:txBody>
+          <a:bodyPr wrap="square">
+            <a:spAutoFit/>
+          </a:bodyPr>
+          <a:lstStyle/>
+          <a:p>
+            <a:pPr>
+              <a:buNone/>
+            </a:pPr>
+            <a:r>
+              <a:rPr lang="zh-CN" altLang="en-US" sz="2000" dirty="0">
+                <a:latin typeface="Microsoft YaHei UI" panose="020B0503020204020204" pitchFamily="34" charset="-122"/>
+                <a:ea typeface="Microsoft YaHei UI" panose="020B0503020204020204" pitchFamily="34" charset="-122"/>
+              </a:rPr>
+              <a:t>印刷机</a:t>
+            </a:r>
+            <a:r>
+              <a:rPr lang="en-US" altLang="zh-CN" sz="2000" dirty="0">
+                <a:latin typeface="Microsoft YaHei UI" panose="020B0503020204020204" pitchFamily="34" charset="-122"/>
+                <a:ea typeface="Microsoft YaHei UI" panose="020B0503020204020204" pitchFamily="34" charset="-122"/>
+              </a:rPr>
+              <a:t>			    </a:t>
+            </a:r>
+            <a:r>
+              <a:rPr lang="zh-CN" altLang="en-US" sz="2000" dirty="0">
+                <a:latin typeface="Microsoft YaHei UI" panose="020B0503020204020204" pitchFamily="34" charset="-122"/>
+                <a:ea typeface="Microsoft YaHei UI" panose="020B0503020204020204" pitchFamily="34" charset="-122"/>
+              </a:rPr>
+              <a:t>梳理机</a:t>
+            </a:r>
+            <a:r>
+              <a:rPr lang="en-US" altLang="zh-CN" sz="2000" dirty="0">
+                <a:latin typeface="Microsoft YaHei UI" panose="020B0503020204020204" pitchFamily="34" charset="-122"/>
+                <a:ea typeface="Microsoft YaHei UI" panose="020B0503020204020204" pitchFamily="34" charset="-122"/>
+              </a:rPr>
+              <a:t>		          </a:t>
+            </a:r>
+            <a:r>
+              <a:rPr lang="zh-CN" altLang="en-US" sz="2000" dirty="0">
+                <a:latin typeface="Microsoft YaHei UI" panose="020B0503020204020204" pitchFamily="34" charset="-122"/>
+                <a:ea typeface="Microsoft YaHei UI" panose="020B0503020204020204" pitchFamily="34" charset="-122"/>
+              </a:rPr>
+              <a:t>折页机</a:t>
+            </a:r>
+          </a:p>
+        </p:txBody>
+      </p:sp>
+      <p:pic>
+        <p:nvPicPr>
+          <p:cNvPr id="1034" name="Picture 10" descr="高性能折页机｜MBO产品系列折页机｜小森公司">
+            <a:extLst>
+              <a:ext uri="{FF2B5EF4-FFF2-40B4-BE49-F238E27FC236}">
+                <a16:creationId xmlns:a16="http://schemas.microsoft.com/office/drawing/2014/main" id="{4666D027-FFE3-A73A-473A-8974D3D1AB25}"/>
+              </a:ext>
+            </a:extLst>
+          </p:cNvPr>
+          <p:cNvPicPr>
+            <a:picLocks noChangeAspect="1" noChangeArrowheads="1"/>
+          </p:cNvPicPr>
+          <p:nvPr/>
+        </p:nvPicPr>
+        <p:blipFill>
+          <a:blip r:embed="rId6" cstate="print">
+            <a:extLst>
+              <a:ext uri="{28A0092B-C50C-407E-A947-70E740481C1C}">
+                <a14:useLocalDpi xmlns:a14="http://schemas.microsoft.com/office/drawing/2010/main" val="0"/>
+              </a:ext>
+            </a:extLst>
+          </a:blip>
+          <a:srcRect/>
+          <a:stretch>
+            <a:fillRect/>
+          </a:stretch>
+        </p:blipFill>
+        <p:spPr bwMode="auto">
+          <a:xfrm>
+            <a:off x="6035804" y="1969505"/>
+            <a:ext cx="3112559" cy="1624537"/>
           </a:xfrm>
           <a:prstGeom prst="rect">
             <a:avLst/>
@@ -9506,7 +10493,7 @@
     </p:spTree>
     <p:extLst>
       <p:ext uri="{BB962C8B-B14F-4D97-AF65-F5344CB8AC3E}">
-        <p14:creationId xmlns:p14="http://schemas.microsoft.com/office/powerpoint/2010/main" val="95961388"/>
+        <p14:creationId xmlns:p14="http://schemas.microsoft.com/office/powerpoint/2010/main" val="157712806"/>
       </p:ext>
     </p:extLst>
   </p:cSld>
@@ -9516,7 +10503,1173 @@
 </p:sld>
 </file>
 
-<file path=ppt/slides/slide4.xml><?xml version="1.0" encoding="utf-8"?>
+<file path=ppt/slides/slide5.xml><?xml version="1.0" encoding="utf-8"?>
+<p:sld xmlns:a="http://schemas.openxmlformats.org/drawingml/2006/main" xmlns:r="http://schemas.openxmlformats.org/officeDocument/2006/relationships" xmlns:p="http://schemas.openxmlformats.org/presentationml/2006/main">
+  <p:cSld>
+    <p:spTree>
+      <p:nvGrpSpPr>
+        <p:cNvPr id="1" name=""/>
+        <p:cNvGrpSpPr/>
+        <p:nvPr/>
+      </p:nvGrpSpPr>
+      <p:grpSpPr>
+        <a:xfrm>
+          <a:off x="0" y="0"/>
+          <a:ext cx="0" cy="0"/>
+          <a:chOff x="0" y="0"/>
+          <a:chExt cx="0" cy="0"/>
+        </a:xfrm>
+      </p:grpSpPr>
+      <p:sp>
+        <p:nvSpPr>
+          <p:cNvPr id="47" name="对话气泡: 矩形 46">
+            <a:extLst>
+              <a:ext uri="{FF2B5EF4-FFF2-40B4-BE49-F238E27FC236}">
+                <a16:creationId xmlns:a16="http://schemas.microsoft.com/office/drawing/2014/main" id="{1070427B-4A1F-DB1A-F036-F1B9908E4553}"/>
+              </a:ext>
+            </a:extLst>
+          </p:cNvPr>
+          <p:cNvSpPr/>
+          <p:nvPr/>
+        </p:nvSpPr>
+        <p:spPr bwMode="auto">
+          <a:xfrm>
+            <a:off x="452166" y="1128220"/>
+            <a:ext cx="8307276" cy="2844000"/>
+          </a:xfrm>
+          <a:prstGeom prst="wedgeRectCallout">
+            <a:avLst>
+              <a:gd name="adj1" fmla="val -3405"/>
+              <a:gd name="adj2" fmla="val 78241"/>
+            </a:avLst>
+          </a:prstGeom>
+          <a:ln>
+            <a:headEnd type="none" w="med" len="med"/>
+            <a:tailEnd type="none" w="med" len="med"/>
+          </a:ln>
+        </p:spPr>
+        <p:style>
+          <a:lnRef idx="2">
+            <a:schemeClr val="dk1"/>
+          </a:lnRef>
+          <a:fillRef idx="1">
+            <a:schemeClr val="lt1"/>
+          </a:fillRef>
+          <a:effectRef idx="0">
+            <a:schemeClr val="dk1"/>
+          </a:effectRef>
+          <a:fontRef idx="minor">
+            <a:schemeClr val="dk1"/>
+          </a:fontRef>
+        </p:style>
+        <p:txBody>
+          <a:bodyPr vert="horz" wrap="square" lIns="91440" tIns="45720" rIns="91440" bIns="45720" numCol="1" rtlCol="0" anchor="t" anchorCtr="0" compatLnSpc="1">
+            <a:prstTxWarp prst="textNoShape">
+              <a:avLst/>
+            </a:prstTxWarp>
+            <a:spAutoFit/>
+          </a:bodyPr>
+          <a:lstStyle/>
+          <a:p>
+            <a:pPr marL="0" marR="0" indent="0" algn="ctr" defTabSz="914400" rtl="0" eaLnBrk="1" fontAlgn="base" latinLnBrk="0" hangingPunct="1">
+              <a:lnSpc>
+                <a:spcPct val="100000"/>
+              </a:lnSpc>
+              <a:spcBef>
+                <a:spcPct val="50000"/>
+              </a:spcBef>
+              <a:spcAft>
+                <a:spcPct val="0"/>
+              </a:spcAft>
+              <a:buClrTx/>
+              <a:buSzTx/>
+              <a:buFontTx/>
+              <a:buNone/>
+              <a:tabLst/>
+            </a:pPr>
+            <a:endParaRPr kumimoji="0" lang="zh-CN" altLang="en-US" sz="1800" b="0" i="0" u="none" strike="noStrike" cap="none" normalizeH="0" baseline="0">
+              <a:ln>
+                <a:noFill/>
+              </a:ln>
+              <a:solidFill>
+                <a:schemeClr val="tx1"/>
+              </a:solidFill>
+              <a:effectLst/>
+              <a:latin typeface="Arial" charset="0"/>
+            </a:endParaRPr>
+          </a:p>
+        </p:txBody>
+      </p:sp>
+      <p:pic>
+        <p:nvPicPr>
+          <p:cNvPr id="2" name="图片 1">
+            <a:extLst>
+              <a:ext uri="{FF2B5EF4-FFF2-40B4-BE49-F238E27FC236}">
+                <a16:creationId xmlns:a16="http://schemas.microsoft.com/office/drawing/2014/main" id="{9A5A6E63-198D-8E78-9CA6-2DC84902ACF2}"/>
+              </a:ext>
+            </a:extLst>
+          </p:cNvPr>
+          <p:cNvPicPr>
+            <a:picLocks noChangeAspect="1"/>
+          </p:cNvPicPr>
+          <p:nvPr/>
+        </p:nvPicPr>
+        <p:blipFill>
+          <a:blip r:embed="rId3">
+            <a:extLst>
+              <a:ext uri="{28A0092B-C50C-407E-A947-70E740481C1C}">
+                <a14:useLocalDpi xmlns:a14="http://schemas.microsoft.com/office/drawing/2010/main" val="0"/>
+              </a:ext>
+            </a:extLst>
+          </a:blip>
+          <a:stretch>
+            <a:fillRect/>
+          </a:stretch>
+        </p:blipFill>
+        <p:spPr>
+          <a:xfrm>
+            <a:off x="107504" y="58920"/>
+            <a:ext cx="864096" cy="864096"/>
+          </a:xfrm>
+          <a:prstGeom prst="rect">
+            <a:avLst/>
+          </a:prstGeom>
+        </p:spPr>
+      </p:pic>
+      <p:sp>
+        <p:nvSpPr>
+          <p:cNvPr id="4" name="文本框 3">
+            <a:extLst>
+              <a:ext uri="{FF2B5EF4-FFF2-40B4-BE49-F238E27FC236}">
+                <a16:creationId xmlns:a16="http://schemas.microsoft.com/office/drawing/2014/main" id="{34C20FFA-E588-4ADA-733B-AC243EA9CA00}"/>
+              </a:ext>
+            </a:extLst>
+          </p:cNvPr>
+          <p:cNvSpPr txBox="1"/>
+          <p:nvPr/>
+        </p:nvSpPr>
+        <p:spPr>
+          <a:xfrm>
+            <a:off x="899592" y="278602"/>
+            <a:ext cx="1507144" cy="424732"/>
+          </a:xfrm>
+          <a:prstGeom prst="rect">
+            <a:avLst/>
+          </a:prstGeom>
+          <a:noFill/>
+        </p:spPr>
+        <p:txBody>
+          <a:bodyPr wrap="none" rtlCol="0">
+            <a:spAutoFit/>
+          </a:bodyPr>
+          <a:lstStyle/>
+          <a:p>
+            <a:pPr>
+              <a:buNone/>
+            </a:pPr>
+            <a:r>
+              <a:rPr lang="en-US" altLang="zh-CN" dirty="0">
+                <a:latin typeface="Microsoft YaHei UI" panose="020B0503020204020204" pitchFamily="34" charset="-122"/>
+                <a:ea typeface="Microsoft YaHei UI" panose="020B0503020204020204" pitchFamily="34" charset="-122"/>
+              </a:rPr>
+              <a:t> </a:t>
+            </a:r>
+            <a:r>
+              <a:rPr lang="zh-CN" altLang="en-US">
+                <a:latin typeface="Microsoft YaHei UI" panose="020B0503020204020204" pitchFamily="34" charset="-122"/>
+                <a:ea typeface="Microsoft YaHei UI" panose="020B0503020204020204" pitchFamily="34" charset="-122"/>
+              </a:rPr>
+              <a:t>背景介绍</a:t>
+            </a:r>
+            <a:endParaRPr lang="en-US" altLang="zh-CN" dirty="0">
+              <a:latin typeface="Microsoft YaHei UI" panose="020B0503020204020204" pitchFamily="34" charset="-122"/>
+              <a:ea typeface="Microsoft YaHei UI" panose="020B0503020204020204" pitchFamily="34" charset="-122"/>
+            </a:endParaRPr>
+          </a:p>
+        </p:txBody>
+      </p:sp>
+      <p:pic>
+        <p:nvPicPr>
+          <p:cNvPr id="7" name="图片 6">
+            <a:extLst>
+              <a:ext uri="{FF2B5EF4-FFF2-40B4-BE49-F238E27FC236}">
+                <a16:creationId xmlns:a16="http://schemas.microsoft.com/office/drawing/2014/main" id="{EDE96D72-9177-7580-EF7D-1636185DDD1A}"/>
+              </a:ext>
+            </a:extLst>
+          </p:cNvPr>
+          <p:cNvPicPr>
+            <a:picLocks noChangeAspect="1"/>
+          </p:cNvPicPr>
+          <p:nvPr/>
+        </p:nvPicPr>
+        <p:blipFill>
+          <a:blip r:embed="rId4">
+            <a:extLst>
+              <a:ext uri="{28A0092B-C50C-407E-A947-70E740481C1C}">
+                <a14:useLocalDpi xmlns:a14="http://schemas.microsoft.com/office/drawing/2010/main" val="0"/>
+              </a:ext>
+            </a:extLst>
+          </a:blip>
+          <a:stretch>
+            <a:fillRect/>
+          </a:stretch>
+        </p:blipFill>
+        <p:spPr>
+          <a:xfrm>
+            <a:off x="358356" y="1274708"/>
+            <a:ext cx="1905000" cy="1905000"/>
+          </a:xfrm>
+          <a:prstGeom prst="rect">
+            <a:avLst/>
+          </a:prstGeom>
+        </p:spPr>
+      </p:pic>
+      <p:sp>
+        <p:nvSpPr>
+          <p:cNvPr id="8" name="文本框 7">
+            <a:extLst>
+              <a:ext uri="{FF2B5EF4-FFF2-40B4-BE49-F238E27FC236}">
+                <a16:creationId xmlns:a16="http://schemas.microsoft.com/office/drawing/2014/main" id="{8CB752C8-08F8-D186-B62D-3CDA84A5F275}"/>
+              </a:ext>
+            </a:extLst>
+          </p:cNvPr>
+          <p:cNvSpPr txBox="1"/>
+          <p:nvPr/>
+        </p:nvSpPr>
+        <p:spPr>
+          <a:xfrm>
+            <a:off x="662784" y="3280763"/>
+            <a:ext cx="1296144" cy="369332"/>
+          </a:xfrm>
+          <a:prstGeom prst="rect">
+            <a:avLst/>
+          </a:prstGeom>
+          <a:noFill/>
+        </p:spPr>
+        <p:txBody>
+          <a:bodyPr wrap="square">
+            <a:spAutoFit/>
+          </a:bodyPr>
+          <a:lstStyle/>
+          <a:p>
+            <a:pPr algn="ctr">
+              <a:buNone/>
+            </a:pPr>
+            <a:r>
+              <a:rPr lang="zh-CN" altLang="en-US" sz="2000" dirty="0">
+                <a:latin typeface="Microsoft YaHei UI" panose="020B0503020204020204" pitchFamily="34" charset="-122"/>
+                <a:ea typeface="Microsoft YaHei UI" panose="020B0503020204020204" pitchFamily="34" charset="-122"/>
+              </a:rPr>
+              <a:t>开始时间</a:t>
+            </a:r>
+          </a:p>
+        </p:txBody>
+      </p:sp>
+      <p:pic>
+        <p:nvPicPr>
+          <p:cNvPr id="9" name="图片 8">
+            <a:extLst>
+              <a:ext uri="{FF2B5EF4-FFF2-40B4-BE49-F238E27FC236}">
+                <a16:creationId xmlns:a16="http://schemas.microsoft.com/office/drawing/2014/main" id="{7FFDB80D-759C-D621-1A4B-F34C3B1BDE7F}"/>
+              </a:ext>
+            </a:extLst>
+          </p:cNvPr>
+          <p:cNvPicPr>
+            <a:picLocks noChangeAspect="1"/>
+          </p:cNvPicPr>
+          <p:nvPr/>
+        </p:nvPicPr>
+        <p:blipFill>
+          <a:blip r:embed="rId4">
+            <a:extLst>
+              <a:ext uri="{28A0092B-C50C-407E-A947-70E740481C1C}">
+                <a14:useLocalDpi xmlns:a14="http://schemas.microsoft.com/office/drawing/2010/main" val="0"/>
+              </a:ext>
+            </a:extLst>
+          </a:blip>
+          <a:stretch>
+            <a:fillRect/>
+          </a:stretch>
+        </p:blipFill>
+        <p:spPr>
+          <a:xfrm>
+            <a:off x="2450976" y="1263513"/>
+            <a:ext cx="1905000" cy="1905000"/>
+          </a:xfrm>
+          <a:prstGeom prst="rect">
+            <a:avLst/>
+          </a:prstGeom>
+        </p:spPr>
+      </p:pic>
+      <p:sp>
+        <p:nvSpPr>
+          <p:cNvPr id="10" name="文本框 9">
+            <a:extLst>
+              <a:ext uri="{FF2B5EF4-FFF2-40B4-BE49-F238E27FC236}">
+                <a16:creationId xmlns:a16="http://schemas.microsoft.com/office/drawing/2014/main" id="{8E50613E-1801-9553-2DBF-1D93506777EC}"/>
+              </a:ext>
+            </a:extLst>
+          </p:cNvPr>
+          <p:cNvSpPr txBox="1"/>
+          <p:nvPr/>
+        </p:nvSpPr>
+        <p:spPr>
+          <a:xfrm>
+            <a:off x="2755404" y="3283060"/>
+            <a:ext cx="1296144" cy="369332"/>
+          </a:xfrm>
+          <a:prstGeom prst="rect">
+            <a:avLst/>
+          </a:prstGeom>
+          <a:noFill/>
+        </p:spPr>
+        <p:txBody>
+          <a:bodyPr wrap="square">
+            <a:spAutoFit/>
+          </a:bodyPr>
+          <a:lstStyle/>
+          <a:p>
+            <a:pPr algn="ctr">
+              <a:buNone/>
+            </a:pPr>
+            <a:r>
+              <a:rPr lang="zh-CN" altLang="en-US" sz="2000" dirty="0">
+                <a:latin typeface="Microsoft YaHei UI" panose="020B0503020204020204" pitchFamily="34" charset="-122"/>
+                <a:ea typeface="Microsoft YaHei UI" panose="020B0503020204020204" pitchFamily="34" charset="-122"/>
+              </a:rPr>
+              <a:t>完工时间</a:t>
+            </a:r>
+          </a:p>
+        </p:txBody>
+      </p:sp>
+      <p:sp>
+        <p:nvSpPr>
+          <p:cNvPr id="11" name="文本框 10">
+            <a:extLst>
+              <a:ext uri="{FF2B5EF4-FFF2-40B4-BE49-F238E27FC236}">
+                <a16:creationId xmlns:a16="http://schemas.microsoft.com/office/drawing/2014/main" id="{6B2032AE-5236-485D-84B1-97649E3CA919}"/>
+              </a:ext>
+            </a:extLst>
+          </p:cNvPr>
+          <p:cNvSpPr txBox="1"/>
+          <p:nvPr/>
+        </p:nvSpPr>
+        <p:spPr>
+          <a:xfrm>
+            <a:off x="4876486" y="3299546"/>
+            <a:ext cx="1296144" cy="369332"/>
+          </a:xfrm>
+          <a:prstGeom prst="rect">
+            <a:avLst/>
+          </a:prstGeom>
+          <a:noFill/>
+        </p:spPr>
+        <p:txBody>
+          <a:bodyPr wrap="square">
+            <a:spAutoFit/>
+          </a:bodyPr>
+          <a:lstStyle/>
+          <a:p>
+            <a:pPr algn="ctr">
+              <a:buNone/>
+            </a:pPr>
+            <a:r>
+              <a:rPr lang="zh-CN" altLang="en-US" sz="2000" dirty="0">
+                <a:latin typeface="Microsoft YaHei UI" panose="020B0503020204020204" pitchFamily="34" charset="-122"/>
+                <a:ea typeface="Microsoft YaHei UI" panose="020B0503020204020204" pitchFamily="34" charset="-122"/>
+              </a:rPr>
+              <a:t>流程时间</a:t>
+            </a:r>
+          </a:p>
+        </p:txBody>
+      </p:sp>
+      <p:pic>
+        <p:nvPicPr>
+          <p:cNvPr id="13" name="图片 12">
+            <a:extLst>
+              <a:ext uri="{FF2B5EF4-FFF2-40B4-BE49-F238E27FC236}">
+                <a16:creationId xmlns:a16="http://schemas.microsoft.com/office/drawing/2014/main" id="{0A62C6BF-FA38-2909-A67F-8A773596CC4F}"/>
+              </a:ext>
+            </a:extLst>
+          </p:cNvPr>
+          <p:cNvPicPr>
+            <a:picLocks noChangeAspect="1"/>
+          </p:cNvPicPr>
+          <p:nvPr/>
+        </p:nvPicPr>
+        <p:blipFill>
+          <a:blip r:embed="rId5">
+            <a:extLst>
+              <a:ext uri="{28A0092B-C50C-407E-A947-70E740481C1C}">
+                <a14:useLocalDpi xmlns:a14="http://schemas.microsoft.com/office/drawing/2010/main" val="0"/>
+              </a:ext>
+            </a:extLst>
+          </a:blip>
+          <a:stretch>
+            <a:fillRect/>
+          </a:stretch>
+        </p:blipFill>
+        <p:spPr>
+          <a:xfrm>
+            <a:off x="6948264" y="1427079"/>
+            <a:ext cx="1600259" cy="1600259"/>
+          </a:xfrm>
+          <a:prstGeom prst="rect">
+            <a:avLst/>
+          </a:prstGeom>
+        </p:spPr>
+      </p:pic>
+      <p:pic>
+        <p:nvPicPr>
+          <p:cNvPr id="15" name="图片 14">
+            <a:extLst>
+              <a:ext uri="{FF2B5EF4-FFF2-40B4-BE49-F238E27FC236}">
+                <a16:creationId xmlns:a16="http://schemas.microsoft.com/office/drawing/2014/main" id="{AE70B79F-DBE2-1CA3-056F-806025551BBB}"/>
+              </a:ext>
+            </a:extLst>
+          </p:cNvPr>
+          <p:cNvPicPr>
+            <a:picLocks noChangeAspect="1"/>
+          </p:cNvPicPr>
+          <p:nvPr/>
+        </p:nvPicPr>
+        <p:blipFill>
+          <a:blip r:embed="rId6">
+            <a:extLst>
+              <a:ext uri="{28A0092B-C50C-407E-A947-70E740481C1C}">
+                <a14:useLocalDpi xmlns:a14="http://schemas.microsoft.com/office/drawing/2010/main" val="0"/>
+              </a:ext>
+            </a:extLst>
+          </a:blip>
+          <a:stretch>
+            <a:fillRect/>
+          </a:stretch>
+        </p:blipFill>
+        <p:spPr>
+          <a:xfrm>
+            <a:off x="3836330" y="4838207"/>
+            <a:ext cx="1471339" cy="1471339"/>
+          </a:xfrm>
+          <a:prstGeom prst="rect">
+            <a:avLst/>
+          </a:prstGeom>
+        </p:spPr>
+      </p:pic>
+      <p:pic>
+        <p:nvPicPr>
+          <p:cNvPr id="16" name="图片 15">
+            <a:extLst>
+              <a:ext uri="{FF2B5EF4-FFF2-40B4-BE49-F238E27FC236}">
+                <a16:creationId xmlns:a16="http://schemas.microsoft.com/office/drawing/2014/main" id="{2049E6DE-4438-D755-6DE5-8A0171991C52}"/>
+              </a:ext>
+            </a:extLst>
+          </p:cNvPr>
+          <p:cNvPicPr>
+            <a:picLocks noChangeAspect="1"/>
+          </p:cNvPicPr>
+          <p:nvPr/>
+        </p:nvPicPr>
+        <p:blipFill>
+          <a:blip r:embed="rId4">
+            <a:extLst>
+              <a:ext uri="{28A0092B-C50C-407E-A947-70E740481C1C}">
+                <a14:useLocalDpi xmlns:a14="http://schemas.microsoft.com/office/drawing/2010/main" val="0"/>
+              </a:ext>
+            </a:extLst>
+          </a:blip>
+          <a:stretch>
+            <a:fillRect/>
+          </a:stretch>
+        </p:blipFill>
+        <p:spPr>
+          <a:xfrm>
+            <a:off x="4644008" y="1284123"/>
+            <a:ext cx="1905000" cy="1905000"/>
+          </a:xfrm>
+          <a:prstGeom prst="rect">
+            <a:avLst/>
+          </a:prstGeom>
+        </p:spPr>
+      </p:pic>
+      <p:sp>
+        <p:nvSpPr>
+          <p:cNvPr id="17" name="文本框 16">
+            <a:extLst>
+              <a:ext uri="{FF2B5EF4-FFF2-40B4-BE49-F238E27FC236}">
+                <a16:creationId xmlns:a16="http://schemas.microsoft.com/office/drawing/2014/main" id="{B05E8004-ED7F-093E-35D0-AC17FC9BBACD}"/>
+              </a:ext>
+            </a:extLst>
+          </p:cNvPr>
+          <p:cNvSpPr txBox="1"/>
+          <p:nvPr/>
+        </p:nvSpPr>
+        <p:spPr>
+          <a:xfrm>
+            <a:off x="7100321" y="3280763"/>
+            <a:ext cx="1296144" cy="369332"/>
+          </a:xfrm>
+          <a:prstGeom prst="rect">
+            <a:avLst/>
+          </a:prstGeom>
+          <a:noFill/>
+        </p:spPr>
+        <p:txBody>
+          <a:bodyPr wrap="square">
+            <a:spAutoFit/>
+          </a:bodyPr>
+          <a:lstStyle/>
+          <a:p>
+            <a:pPr algn="ctr">
+              <a:buNone/>
+            </a:pPr>
+            <a:r>
+              <a:rPr lang="zh-CN" altLang="en-US" sz="2000" dirty="0">
+                <a:latin typeface="Microsoft YaHei UI" panose="020B0503020204020204" pitchFamily="34" charset="-122"/>
+                <a:ea typeface="Microsoft YaHei UI" panose="020B0503020204020204" pitchFamily="34" charset="-122"/>
+              </a:rPr>
+              <a:t>迟到时间</a:t>
+            </a:r>
+          </a:p>
+        </p:txBody>
+      </p:sp>
+      <p:sp>
+        <p:nvSpPr>
+          <p:cNvPr id="42" name="文本框 41">
+            <a:extLst>
+              <a:ext uri="{FF2B5EF4-FFF2-40B4-BE49-F238E27FC236}">
+                <a16:creationId xmlns:a16="http://schemas.microsoft.com/office/drawing/2014/main" id="{933B74CC-EAC7-2CFE-4345-202C5D20E638}"/>
+              </a:ext>
+            </a:extLst>
+          </p:cNvPr>
+          <p:cNvSpPr txBox="1"/>
+          <p:nvPr/>
+        </p:nvSpPr>
+        <p:spPr>
+          <a:xfrm>
+            <a:off x="3923927" y="6309546"/>
+            <a:ext cx="1296144" cy="369332"/>
+          </a:xfrm>
+          <a:prstGeom prst="rect">
+            <a:avLst/>
+          </a:prstGeom>
+          <a:noFill/>
+        </p:spPr>
+        <p:txBody>
+          <a:bodyPr wrap="square">
+            <a:spAutoFit/>
+          </a:bodyPr>
+          <a:lstStyle/>
+          <a:p>
+            <a:pPr algn="ctr">
+              <a:buNone/>
+            </a:pPr>
+            <a:r>
+              <a:rPr lang="zh-CN" altLang="en-US" sz="2000" dirty="0">
+                <a:latin typeface="Microsoft YaHei UI" panose="020B0503020204020204" pitchFamily="34" charset="-122"/>
+                <a:ea typeface="Microsoft YaHei UI" panose="020B0503020204020204" pitchFamily="34" charset="-122"/>
+              </a:rPr>
+              <a:t>决策者</a:t>
+            </a:r>
+          </a:p>
+        </p:txBody>
+      </p:sp>
+    </p:spTree>
+    <p:extLst>
+      <p:ext uri="{BB962C8B-B14F-4D97-AF65-F5344CB8AC3E}">
+        <p14:creationId xmlns:p14="http://schemas.microsoft.com/office/powerpoint/2010/main" val="4158178504"/>
+      </p:ext>
+    </p:extLst>
+  </p:cSld>
+  <p:clrMapOvr>
+    <a:masterClrMapping/>
+  </p:clrMapOvr>
+</p:sld>
+</file>
+
+<file path=ppt/slides/slide6.xml><?xml version="1.0" encoding="utf-8"?>
+<p:sld xmlns:a="http://schemas.openxmlformats.org/drawingml/2006/main" xmlns:r="http://schemas.openxmlformats.org/officeDocument/2006/relationships" xmlns:p="http://schemas.openxmlformats.org/presentationml/2006/main">
+  <p:cSld>
+    <p:spTree>
+      <p:nvGrpSpPr>
+        <p:cNvPr id="1" name=""/>
+        <p:cNvGrpSpPr/>
+        <p:nvPr/>
+      </p:nvGrpSpPr>
+      <p:grpSpPr>
+        <a:xfrm>
+          <a:off x="0" y="0"/>
+          <a:ext cx="0" cy="0"/>
+          <a:chOff x="0" y="0"/>
+          <a:chExt cx="0" cy="0"/>
+        </a:xfrm>
+      </p:grpSpPr>
+      <p:sp>
+        <p:nvSpPr>
+          <p:cNvPr id="47" name="对话气泡: 矩形 46">
+            <a:extLst>
+              <a:ext uri="{FF2B5EF4-FFF2-40B4-BE49-F238E27FC236}">
+                <a16:creationId xmlns:a16="http://schemas.microsoft.com/office/drawing/2014/main" id="{1070427B-4A1F-DB1A-F036-F1B9908E4553}"/>
+              </a:ext>
+            </a:extLst>
+          </p:cNvPr>
+          <p:cNvSpPr/>
+          <p:nvPr/>
+        </p:nvSpPr>
+        <p:spPr bwMode="auto">
+          <a:xfrm>
+            <a:off x="452166" y="1128220"/>
+            <a:ext cx="8307276" cy="2844000"/>
+          </a:xfrm>
+          <a:prstGeom prst="wedgeRectCallout">
+            <a:avLst>
+              <a:gd name="adj1" fmla="val -3405"/>
+              <a:gd name="adj2" fmla="val 78241"/>
+            </a:avLst>
+          </a:prstGeom>
+          <a:ln>
+            <a:headEnd type="none" w="med" len="med"/>
+            <a:tailEnd type="none" w="med" len="med"/>
+          </a:ln>
+        </p:spPr>
+        <p:style>
+          <a:lnRef idx="2">
+            <a:schemeClr val="dk1"/>
+          </a:lnRef>
+          <a:fillRef idx="1">
+            <a:schemeClr val="lt1"/>
+          </a:fillRef>
+          <a:effectRef idx="0">
+            <a:schemeClr val="dk1"/>
+          </a:effectRef>
+          <a:fontRef idx="minor">
+            <a:schemeClr val="dk1"/>
+          </a:fontRef>
+        </p:style>
+        <p:txBody>
+          <a:bodyPr vert="horz" wrap="square" lIns="91440" tIns="45720" rIns="91440" bIns="45720" numCol="1" rtlCol="0" anchor="t" anchorCtr="0" compatLnSpc="1">
+            <a:prstTxWarp prst="textNoShape">
+              <a:avLst/>
+            </a:prstTxWarp>
+            <a:spAutoFit/>
+          </a:bodyPr>
+          <a:lstStyle/>
+          <a:p>
+            <a:pPr marL="0" marR="0" indent="0" algn="ctr" defTabSz="914400" rtl="0" eaLnBrk="1" fontAlgn="base" latinLnBrk="0" hangingPunct="1">
+              <a:lnSpc>
+                <a:spcPct val="100000"/>
+              </a:lnSpc>
+              <a:spcBef>
+                <a:spcPct val="50000"/>
+              </a:spcBef>
+              <a:spcAft>
+                <a:spcPct val="0"/>
+              </a:spcAft>
+              <a:buClrTx/>
+              <a:buSzTx/>
+              <a:buFontTx/>
+              <a:buNone/>
+              <a:tabLst/>
+            </a:pPr>
+            <a:endParaRPr kumimoji="0" lang="zh-CN" altLang="en-US" sz="1800" b="0" i="0" u="none" strike="noStrike" cap="none" normalizeH="0" baseline="0">
+              <a:ln>
+                <a:noFill/>
+              </a:ln>
+              <a:solidFill>
+                <a:schemeClr val="tx1"/>
+              </a:solidFill>
+              <a:effectLst/>
+              <a:latin typeface="Arial" charset="0"/>
+            </a:endParaRPr>
+          </a:p>
+        </p:txBody>
+      </p:sp>
+      <p:pic>
+        <p:nvPicPr>
+          <p:cNvPr id="2" name="图片 1">
+            <a:extLst>
+              <a:ext uri="{FF2B5EF4-FFF2-40B4-BE49-F238E27FC236}">
+                <a16:creationId xmlns:a16="http://schemas.microsoft.com/office/drawing/2014/main" id="{9A5A6E63-198D-8E78-9CA6-2DC84902ACF2}"/>
+              </a:ext>
+            </a:extLst>
+          </p:cNvPr>
+          <p:cNvPicPr>
+            <a:picLocks noChangeAspect="1"/>
+          </p:cNvPicPr>
+          <p:nvPr/>
+        </p:nvPicPr>
+        <p:blipFill>
+          <a:blip r:embed="rId3">
+            <a:extLst>
+              <a:ext uri="{28A0092B-C50C-407E-A947-70E740481C1C}">
+                <a14:useLocalDpi xmlns:a14="http://schemas.microsoft.com/office/drawing/2010/main" val="0"/>
+              </a:ext>
+            </a:extLst>
+          </a:blip>
+          <a:stretch>
+            <a:fillRect/>
+          </a:stretch>
+        </p:blipFill>
+        <p:spPr>
+          <a:xfrm>
+            <a:off x="107504" y="58920"/>
+            <a:ext cx="864096" cy="864096"/>
+          </a:xfrm>
+          <a:prstGeom prst="rect">
+            <a:avLst/>
+          </a:prstGeom>
+        </p:spPr>
+      </p:pic>
+      <p:sp>
+        <p:nvSpPr>
+          <p:cNvPr id="4" name="文本框 3">
+            <a:extLst>
+              <a:ext uri="{FF2B5EF4-FFF2-40B4-BE49-F238E27FC236}">
+                <a16:creationId xmlns:a16="http://schemas.microsoft.com/office/drawing/2014/main" id="{34C20FFA-E588-4ADA-733B-AC243EA9CA00}"/>
+              </a:ext>
+            </a:extLst>
+          </p:cNvPr>
+          <p:cNvSpPr txBox="1"/>
+          <p:nvPr/>
+        </p:nvSpPr>
+        <p:spPr>
+          <a:xfrm>
+            <a:off x="899592" y="278602"/>
+            <a:ext cx="891591" cy="424732"/>
+          </a:xfrm>
+          <a:prstGeom prst="rect">
+            <a:avLst/>
+          </a:prstGeom>
+          <a:noFill/>
+        </p:spPr>
+        <p:txBody>
+          <a:bodyPr wrap="none" rtlCol="0">
+            <a:spAutoFit/>
+          </a:bodyPr>
+          <a:lstStyle/>
+          <a:p>
+            <a:pPr>
+              <a:buNone/>
+            </a:pPr>
+            <a:r>
+              <a:rPr lang="en-US" altLang="zh-CN" dirty="0">
+                <a:latin typeface="Microsoft YaHei UI" panose="020B0503020204020204" pitchFamily="34" charset="-122"/>
+                <a:ea typeface="Microsoft YaHei UI" panose="020B0503020204020204" pitchFamily="34" charset="-122"/>
+              </a:rPr>
+              <a:t> </a:t>
+            </a:r>
+            <a:r>
+              <a:rPr lang="zh-CN" altLang="en-US" dirty="0">
+                <a:latin typeface="Microsoft YaHei UI" panose="020B0503020204020204" pitchFamily="34" charset="-122"/>
+                <a:ea typeface="Microsoft YaHei UI" panose="020B0503020204020204" pitchFamily="34" charset="-122"/>
+              </a:rPr>
+              <a:t>背景</a:t>
+            </a:r>
+            <a:endParaRPr lang="en-US" altLang="zh-CN" dirty="0">
+              <a:latin typeface="Microsoft YaHei UI" panose="020B0503020204020204" pitchFamily="34" charset="-122"/>
+              <a:ea typeface="Microsoft YaHei UI" panose="020B0503020204020204" pitchFamily="34" charset="-122"/>
+            </a:endParaRPr>
+          </a:p>
+        </p:txBody>
+      </p:sp>
+      <p:pic>
+        <p:nvPicPr>
+          <p:cNvPr id="7" name="图片 6">
+            <a:extLst>
+              <a:ext uri="{FF2B5EF4-FFF2-40B4-BE49-F238E27FC236}">
+                <a16:creationId xmlns:a16="http://schemas.microsoft.com/office/drawing/2014/main" id="{EDE96D72-9177-7580-EF7D-1636185DDD1A}"/>
+              </a:ext>
+            </a:extLst>
+          </p:cNvPr>
+          <p:cNvPicPr>
+            <a:picLocks noChangeAspect="1"/>
+          </p:cNvPicPr>
+          <p:nvPr/>
+        </p:nvPicPr>
+        <p:blipFill>
+          <a:blip r:embed="rId4">
+            <a:extLst>
+              <a:ext uri="{28A0092B-C50C-407E-A947-70E740481C1C}">
+                <a14:useLocalDpi xmlns:a14="http://schemas.microsoft.com/office/drawing/2010/main" val="0"/>
+              </a:ext>
+            </a:extLst>
+          </a:blip>
+          <a:stretch>
+            <a:fillRect/>
+          </a:stretch>
+        </p:blipFill>
+        <p:spPr>
+          <a:xfrm>
+            <a:off x="358356" y="1274708"/>
+            <a:ext cx="1905000" cy="1905000"/>
+          </a:xfrm>
+          <a:prstGeom prst="rect">
+            <a:avLst/>
+          </a:prstGeom>
+        </p:spPr>
+      </p:pic>
+      <p:sp>
+        <p:nvSpPr>
+          <p:cNvPr id="8" name="文本框 7">
+            <a:extLst>
+              <a:ext uri="{FF2B5EF4-FFF2-40B4-BE49-F238E27FC236}">
+                <a16:creationId xmlns:a16="http://schemas.microsoft.com/office/drawing/2014/main" id="{8CB752C8-08F8-D186-B62D-3CDA84A5F275}"/>
+              </a:ext>
+            </a:extLst>
+          </p:cNvPr>
+          <p:cNvSpPr txBox="1"/>
+          <p:nvPr/>
+        </p:nvSpPr>
+        <p:spPr>
+          <a:xfrm>
+            <a:off x="662784" y="3280763"/>
+            <a:ext cx="1296144" cy="369332"/>
+          </a:xfrm>
+          <a:prstGeom prst="rect">
+            <a:avLst/>
+          </a:prstGeom>
+          <a:noFill/>
+        </p:spPr>
+        <p:txBody>
+          <a:bodyPr wrap="square">
+            <a:spAutoFit/>
+          </a:bodyPr>
+          <a:lstStyle/>
+          <a:p>
+            <a:pPr algn="ctr">
+              <a:buNone/>
+            </a:pPr>
+            <a:r>
+              <a:rPr lang="zh-CN" altLang="en-US" sz="2000" dirty="0">
+                <a:latin typeface="Microsoft YaHei UI" panose="020B0503020204020204" pitchFamily="34" charset="-122"/>
+                <a:ea typeface="Microsoft YaHei UI" panose="020B0503020204020204" pitchFamily="34" charset="-122"/>
+              </a:rPr>
+              <a:t>开始时间</a:t>
+            </a:r>
+          </a:p>
+        </p:txBody>
+      </p:sp>
+      <p:pic>
+        <p:nvPicPr>
+          <p:cNvPr id="9" name="图片 8">
+            <a:extLst>
+              <a:ext uri="{FF2B5EF4-FFF2-40B4-BE49-F238E27FC236}">
+                <a16:creationId xmlns:a16="http://schemas.microsoft.com/office/drawing/2014/main" id="{7FFDB80D-759C-D621-1A4B-F34C3B1BDE7F}"/>
+              </a:ext>
+            </a:extLst>
+          </p:cNvPr>
+          <p:cNvPicPr>
+            <a:picLocks noChangeAspect="1"/>
+          </p:cNvPicPr>
+          <p:nvPr/>
+        </p:nvPicPr>
+        <p:blipFill>
+          <a:blip r:embed="rId4">
+            <a:extLst>
+              <a:ext uri="{28A0092B-C50C-407E-A947-70E740481C1C}">
+                <a14:useLocalDpi xmlns:a14="http://schemas.microsoft.com/office/drawing/2010/main" val="0"/>
+              </a:ext>
+            </a:extLst>
+          </a:blip>
+          <a:stretch>
+            <a:fillRect/>
+          </a:stretch>
+        </p:blipFill>
+        <p:spPr>
+          <a:xfrm>
+            <a:off x="2450976" y="1263513"/>
+            <a:ext cx="1905000" cy="1905000"/>
+          </a:xfrm>
+          <a:prstGeom prst="rect">
+            <a:avLst/>
+          </a:prstGeom>
+        </p:spPr>
+      </p:pic>
+      <p:sp>
+        <p:nvSpPr>
+          <p:cNvPr id="10" name="文本框 9">
+            <a:extLst>
+              <a:ext uri="{FF2B5EF4-FFF2-40B4-BE49-F238E27FC236}">
+                <a16:creationId xmlns:a16="http://schemas.microsoft.com/office/drawing/2014/main" id="{8E50613E-1801-9553-2DBF-1D93506777EC}"/>
+              </a:ext>
+            </a:extLst>
+          </p:cNvPr>
+          <p:cNvSpPr txBox="1"/>
+          <p:nvPr/>
+        </p:nvSpPr>
+        <p:spPr>
+          <a:xfrm>
+            <a:off x="2755404" y="3283060"/>
+            <a:ext cx="1296144" cy="369332"/>
+          </a:xfrm>
+          <a:prstGeom prst="rect">
+            <a:avLst/>
+          </a:prstGeom>
+          <a:noFill/>
+        </p:spPr>
+        <p:txBody>
+          <a:bodyPr wrap="square">
+            <a:spAutoFit/>
+          </a:bodyPr>
+          <a:lstStyle/>
+          <a:p>
+            <a:pPr algn="ctr">
+              <a:buNone/>
+            </a:pPr>
+            <a:r>
+              <a:rPr lang="zh-CN" altLang="en-US" sz="2000" dirty="0">
+                <a:latin typeface="Microsoft YaHei UI" panose="020B0503020204020204" pitchFamily="34" charset="-122"/>
+                <a:ea typeface="Microsoft YaHei UI" panose="020B0503020204020204" pitchFamily="34" charset="-122"/>
+              </a:rPr>
+              <a:t>完工时间</a:t>
+            </a:r>
+          </a:p>
+        </p:txBody>
+      </p:sp>
+      <p:sp>
+        <p:nvSpPr>
+          <p:cNvPr id="11" name="文本框 10">
+            <a:extLst>
+              <a:ext uri="{FF2B5EF4-FFF2-40B4-BE49-F238E27FC236}">
+                <a16:creationId xmlns:a16="http://schemas.microsoft.com/office/drawing/2014/main" id="{6B2032AE-5236-485D-84B1-97649E3CA919}"/>
+              </a:ext>
+            </a:extLst>
+          </p:cNvPr>
+          <p:cNvSpPr txBox="1"/>
+          <p:nvPr/>
+        </p:nvSpPr>
+        <p:spPr>
+          <a:xfrm>
+            <a:off x="4876486" y="3299546"/>
+            <a:ext cx="1296144" cy="369332"/>
+          </a:xfrm>
+          <a:prstGeom prst="rect">
+            <a:avLst/>
+          </a:prstGeom>
+          <a:noFill/>
+        </p:spPr>
+        <p:txBody>
+          <a:bodyPr wrap="square">
+            <a:spAutoFit/>
+          </a:bodyPr>
+          <a:lstStyle/>
+          <a:p>
+            <a:pPr algn="ctr">
+              <a:buNone/>
+            </a:pPr>
+            <a:r>
+              <a:rPr lang="zh-CN" altLang="en-US" sz="2000" dirty="0">
+                <a:latin typeface="Microsoft YaHei UI" panose="020B0503020204020204" pitchFamily="34" charset="-122"/>
+                <a:ea typeface="Microsoft YaHei UI" panose="020B0503020204020204" pitchFamily="34" charset="-122"/>
+              </a:rPr>
+              <a:t>流程时间</a:t>
+            </a:r>
+          </a:p>
+        </p:txBody>
+      </p:sp>
+      <p:pic>
+        <p:nvPicPr>
+          <p:cNvPr id="13" name="图片 12">
+            <a:extLst>
+              <a:ext uri="{FF2B5EF4-FFF2-40B4-BE49-F238E27FC236}">
+                <a16:creationId xmlns:a16="http://schemas.microsoft.com/office/drawing/2014/main" id="{0A62C6BF-FA38-2909-A67F-8A773596CC4F}"/>
+              </a:ext>
+            </a:extLst>
+          </p:cNvPr>
+          <p:cNvPicPr>
+            <a:picLocks noChangeAspect="1"/>
+          </p:cNvPicPr>
+          <p:nvPr/>
+        </p:nvPicPr>
+        <p:blipFill>
+          <a:blip r:embed="rId5">
+            <a:extLst>
+              <a:ext uri="{28A0092B-C50C-407E-A947-70E740481C1C}">
+                <a14:useLocalDpi xmlns:a14="http://schemas.microsoft.com/office/drawing/2010/main" val="0"/>
+              </a:ext>
+            </a:extLst>
+          </a:blip>
+          <a:stretch>
+            <a:fillRect/>
+          </a:stretch>
+        </p:blipFill>
+        <p:spPr>
+          <a:xfrm>
+            <a:off x="6948264" y="1427079"/>
+            <a:ext cx="1600259" cy="1600259"/>
+          </a:xfrm>
+          <a:prstGeom prst="rect">
+            <a:avLst/>
+          </a:prstGeom>
+        </p:spPr>
+      </p:pic>
+      <p:pic>
+        <p:nvPicPr>
+          <p:cNvPr id="15" name="图片 14">
+            <a:extLst>
+              <a:ext uri="{FF2B5EF4-FFF2-40B4-BE49-F238E27FC236}">
+                <a16:creationId xmlns:a16="http://schemas.microsoft.com/office/drawing/2014/main" id="{AE70B79F-DBE2-1CA3-056F-806025551BBB}"/>
+              </a:ext>
+            </a:extLst>
+          </p:cNvPr>
+          <p:cNvPicPr>
+            <a:picLocks noChangeAspect="1"/>
+          </p:cNvPicPr>
+          <p:nvPr/>
+        </p:nvPicPr>
+        <p:blipFill>
+          <a:blip r:embed="rId6">
+            <a:extLst>
+              <a:ext uri="{28A0092B-C50C-407E-A947-70E740481C1C}">
+                <a14:useLocalDpi xmlns:a14="http://schemas.microsoft.com/office/drawing/2010/main" val="0"/>
+              </a:ext>
+            </a:extLst>
+          </a:blip>
+          <a:stretch>
+            <a:fillRect/>
+          </a:stretch>
+        </p:blipFill>
+        <p:spPr>
+          <a:xfrm>
+            <a:off x="3836330" y="4838207"/>
+            <a:ext cx="1471339" cy="1471339"/>
+          </a:xfrm>
+          <a:prstGeom prst="rect">
+            <a:avLst/>
+          </a:prstGeom>
+        </p:spPr>
+      </p:pic>
+      <p:pic>
+        <p:nvPicPr>
+          <p:cNvPr id="16" name="图片 15">
+            <a:extLst>
+              <a:ext uri="{FF2B5EF4-FFF2-40B4-BE49-F238E27FC236}">
+                <a16:creationId xmlns:a16="http://schemas.microsoft.com/office/drawing/2014/main" id="{2049E6DE-4438-D755-6DE5-8A0171991C52}"/>
+              </a:ext>
+            </a:extLst>
+          </p:cNvPr>
+          <p:cNvPicPr>
+            <a:picLocks noChangeAspect="1"/>
+          </p:cNvPicPr>
+          <p:nvPr/>
+        </p:nvPicPr>
+        <p:blipFill>
+          <a:blip r:embed="rId4">
+            <a:extLst>
+              <a:ext uri="{28A0092B-C50C-407E-A947-70E740481C1C}">
+                <a14:useLocalDpi xmlns:a14="http://schemas.microsoft.com/office/drawing/2010/main" val="0"/>
+              </a:ext>
+            </a:extLst>
+          </a:blip>
+          <a:stretch>
+            <a:fillRect/>
+          </a:stretch>
+        </p:blipFill>
+        <p:spPr>
+          <a:xfrm>
+            <a:off x="4644008" y="1284123"/>
+            <a:ext cx="1905000" cy="1905000"/>
+          </a:xfrm>
+          <a:prstGeom prst="rect">
+            <a:avLst/>
+          </a:prstGeom>
+        </p:spPr>
+      </p:pic>
+      <p:sp>
+        <p:nvSpPr>
+          <p:cNvPr id="17" name="文本框 16">
+            <a:extLst>
+              <a:ext uri="{FF2B5EF4-FFF2-40B4-BE49-F238E27FC236}">
+                <a16:creationId xmlns:a16="http://schemas.microsoft.com/office/drawing/2014/main" id="{B05E8004-ED7F-093E-35D0-AC17FC9BBACD}"/>
+              </a:ext>
+            </a:extLst>
+          </p:cNvPr>
+          <p:cNvSpPr txBox="1"/>
+          <p:nvPr/>
+        </p:nvSpPr>
+        <p:spPr>
+          <a:xfrm>
+            <a:off x="7100321" y="3280763"/>
+            <a:ext cx="1296144" cy="369332"/>
+          </a:xfrm>
+          <a:prstGeom prst="rect">
+            <a:avLst/>
+          </a:prstGeom>
+          <a:noFill/>
+        </p:spPr>
+        <p:txBody>
+          <a:bodyPr wrap="square">
+            <a:spAutoFit/>
+          </a:bodyPr>
+          <a:lstStyle/>
+          <a:p>
+            <a:pPr algn="ctr">
+              <a:buNone/>
+            </a:pPr>
+            <a:r>
+              <a:rPr lang="zh-CN" altLang="en-US" sz="2000" dirty="0">
+                <a:latin typeface="Microsoft YaHei UI" panose="020B0503020204020204" pitchFamily="34" charset="-122"/>
+                <a:ea typeface="Microsoft YaHei UI" panose="020B0503020204020204" pitchFamily="34" charset="-122"/>
+              </a:rPr>
+              <a:t>迟到时间</a:t>
+            </a:r>
+          </a:p>
+        </p:txBody>
+      </p:sp>
+      <p:sp>
+        <p:nvSpPr>
+          <p:cNvPr id="42" name="文本框 41">
+            <a:extLst>
+              <a:ext uri="{FF2B5EF4-FFF2-40B4-BE49-F238E27FC236}">
+                <a16:creationId xmlns:a16="http://schemas.microsoft.com/office/drawing/2014/main" id="{933B74CC-EAC7-2CFE-4345-202C5D20E638}"/>
+              </a:ext>
+            </a:extLst>
+          </p:cNvPr>
+          <p:cNvSpPr txBox="1"/>
+          <p:nvPr/>
+        </p:nvSpPr>
+        <p:spPr>
+          <a:xfrm>
+            <a:off x="3923927" y="6309546"/>
+            <a:ext cx="1296144" cy="369332"/>
+          </a:xfrm>
+          <a:prstGeom prst="rect">
+            <a:avLst/>
+          </a:prstGeom>
+          <a:noFill/>
+        </p:spPr>
+        <p:txBody>
+          <a:bodyPr wrap="square">
+            <a:spAutoFit/>
+          </a:bodyPr>
+          <a:lstStyle/>
+          <a:p>
+            <a:pPr algn="ctr">
+              <a:buNone/>
+            </a:pPr>
+            <a:r>
+              <a:rPr lang="zh-CN" altLang="en-US" sz="2000" dirty="0">
+                <a:latin typeface="Microsoft YaHei UI" panose="020B0503020204020204" pitchFamily="34" charset="-122"/>
+                <a:ea typeface="Microsoft YaHei UI" panose="020B0503020204020204" pitchFamily="34" charset="-122"/>
+              </a:rPr>
+              <a:t>决策者</a:t>
+            </a:r>
+          </a:p>
+        </p:txBody>
+      </p:sp>
+    </p:spTree>
+    <p:extLst>
+      <p:ext uri="{BB962C8B-B14F-4D97-AF65-F5344CB8AC3E}">
+        <p14:creationId xmlns:p14="http://schemas.microsoft.com/office/powerpoint/2010/main" val="3047100815"/>
+      </p:ext>
+    </p:extLst>
+  </p:cSld>
+  <p:clrMapOvr>
+    <a:masterClrMapping/>
+  </p:clrMapOvr>
+</p:sld>
+</file>
+
+<file path=ppt/slides/slide7.xml><?xml version="1.0" encoding="utf-8"?>
 <p:sld xmlns:a="http://schemas.openxmlformats.org/drawingml/2006/main" xmlns:r="http://schemas.openxmlformats.org/officeDocument/2006/relationships" xmlns:p="http://schemas.openxmlformats.org/presentationml/2006/main">
   <p:cSld>
     <p:spTree>
@@ -9629,7 +11782,7 @@
         <p:spPr>
           <a:xfrm>
             <a:off x="899592" y="278602"/>
-            <a:ext cx="6822573" cy="424732"/>
+            <a:ext cx="5799536" cy="424732"/>
           </a:xfrm>
           <a:prstGeom prst="rect">
             <a:avLst/>
@@ -9647,20 +11800,11 @@
             </a:pPr>
             <a:r>
               <a:rPr lang="en-US" altLang="zh-CN" dirty="0">
-                <a:latin typeface="Times New Roman" panose="02020603050405020304" pitchFamily="18" charset="0"/>
+                <a:latin typeface="Microsoft YaHei UI" panose="020B0503020204020204" pitchFamily="34" charset="-122"/>
+                <a:ea typeface="Microsoft YaHei UI" panose="020B0503020204020204" pitchFamily="34" charset="-122"/>
               </a:rPr>
-              <a:t> </a:t>
-            </a:r>
-            <a:r>
-              <a:rPr lang="en-US" altLang="zh-CN" dirty="0">
-                <a:latin typeface="Times New Roman" panose="02020603050405020304" pitchFamily="18" charset="0"/>
-                <a:ea typeface="黑体" panose="02010609060101010101" pitchFamily="49" charset="-122"/>
-              </a:rPr>
-              <a:t>Presentation of Principles of Artificial Intelligence</a:t>
-            </a:r>
-            <a:endParaRPr lang="en-US" altLang="zh-CN" dirty="0">
-              <a:latin typeface="Times New Roman" panose="02020603050405020304" pitchFamily="18" charset="0"/>
-            </a:endParaRPr>
+              <a:t> INTRODUCTION TO MANAGEMENT</a:t>
+            </a:r>
           </a:p>
         </p:txBody>
       </p:sp>
